--- a/plots/2021_02_23/Fig4_fit1_binomGLMM_501YV1_Belgium_response scale.pptx
+++ b/plots/2021_02_23/Fig4_fit1_binomGLMM_501YV1_Belgium_response scale.pptx
@@ -3398,1984 +3398,6 @@
           </p:nvSpPr>
           <p:spPr>
             <a:xfrm>
-              <a:off x="2199579" y="1109701"/>
-              <a:ext cx="5049456" cy="4993250"/>
-            </a:xfrm>
-            <a:custGeom>
-              <a:avLst/>
-              <a:pathLst>
-                <a:path w="5049456" h="4993250">
-                  <a:moveTo>
-                    <a:pt x="0" y="4983360"/>
-                  </a:moveTo>
-                  <a:lnTo>
-                    <a:pt x="41388" y="4982367"/>
-                  </a:lnTo>
-                  <a:lnTo>
-                    <a:pt x="82777" y="4981285"/>
-                  </a:lnTo>
-                  <a:lnTo>
-                    <a:pt x="124166" y="4980106"/>
-                  </a:lnTo>
-                  <a:lnTo>
-                    <a:pt x="165555" y="4978821"/>
-                  </a:lnTo>
-                  <a:lnTo>
-                    <a:pt x="206944" y="4977421"/>
-                  </a:lnTo>
-                  <a:lnTo>
-                    <a:pt x="248333" y="4975895"/>
-                  </a:lnTo>
-                  <a:lnTo>
-                    <a:pt x="289722" y="4974232"/>
-                  </a:lnTo>
-                  <a:lnTo>
-                    <a:pt x="331111" y="4972420"/>
-                  </a:lnTo>
-                  <a:lnTo>
-                    <a:pt x="372500" y="4970446"/>
-                  </a:lnTo>
-                  <a:lnTo>
-                    <a:pt x="413889" y="4968295"/>
-                  </a:lnTo>
-                  <a:lnTo>
-                    <a:pt x="455278" y="4965952"/>
-                  </a:lnTo>
-                  <a:lnTo>
-                    <a:pt x="496667" y="4963399"/>
-                  </a:lnTo>
-                  <a:lnTo>
-                    <a:pt x="538056" y="4960618"/>
-                  </a:lnTo>
-                  <a:lnTo>
-                    <a:pt x="579445" y="4957589"/>
-                  </a:lnTo>
-                  <a:lnTo>
-                    <a:pt x="620834" y="4954290"/>
-                  </a:lnTo>
-                  <a:lnTo>
-                    <a:pt x="662223" y="4950697"/>
-                  </a:lnTo>
-                  <a:lnTo>
-                    <a:pt x="703612" y="4946785"/>
-                  </a:lnTo>
-                  <a:lnTo>
-                    <a:pt x="745001" y="4942524"/>
-                  </a:lnTo>
-                  <a:lnTo>
-                    <a:pt x="786390" y="4937885"/>
-                  </a:lnTo>
-                  <a:lnTo>
-                    <a:pt x="827779" y="4932834"/>
-                  </a:lnTo>
-                  <a:lnTo>
-                    <a:pt x="869168" y="4927336"/>
-                  </a:lnTo>
-                  <a:lnTo>
-                    <a:pt x="910557" y="4921351"/>
-                  </a:lnTo>
-                  <a:lnTo>
-                    <a:pt x="951946" y="4914836"/>
-                  </a:lnTo>
-                  <a:lnTo>
-                    <a:pt x="993335" y="4907747"/>
-                  </a:lnTo>
-                  <a:lnTo>
-                    <a:pt x="1034724" y="4900032"/>
-                  </a:lnTo>
-                  <a:lnTo>
-                    <a:pt x="1076113" y="4891638"/>
-                  </a:lnTo>
-                  <a:lnTo>
-                    <a:pt x="1117502" y="4882504"/>
-                  </a:lnTo>
-                  <a:lnTo>
-                    <a:pt x="1158891" y="4872567"/>
-                  </a:lnTo>
-                  <a:lnTo>
-                    <a:pt x="1200280" y="4861755"/>
-                  </a:lnTo>
-                  <a:lnTo>
-                    <a:pt x="1241669" y="4849992"/>
-                  </a:lnTo>
-                  <a:lnTo>
-                    <a:pt x="1283058" y="4837192"/>
-                  </a:lnTo>
-                  <a:lnTo>
-                    <a:pt x="1324447" y="4823262"/>
-                  </a:lnTo>
-                  <a:lnTo>
-                    <a:pt x="1365836" y="4808097"/>
-                  </a:lnTo>
-                  <a:lnTo>
-                    <a:pt x="1407225" y="4791581"/>
-                  </a:lnTo>
-                  <a:lnTo>
-                    <a:pt x="1448614" y="4773580"/>
-                  </a:lnTo>
-                  <a:lnTo>
-                    <a:pt x="1490003" y="4753942"/>
-                  </a:lnTo>
-                  <a:lnTo>
-                    <a:pt x="1531392" y="4732489"/>
-                  </a:lnTo>
-                  <a:lnTo>
-                    <a:pt x="1572781" y="4709009"/>
-                  </a:lnTo>
-                  <a:lnTo>
-                    <a:pt x="1614170" y="4683244"/>
-                  </a:lnTo>
-                  <a:lnTo>
-                    <a:pt x="1655559" y="4654879"/>
-                  </a:lnTo>
-                  <a:lnTo>
-                    <a:pt x="1696948" y="4623522"/>
-                  </a:lnTo>
-                  <a:lnTo>
-                    <a:pt x="1738337" y="4588690"/>
-                  </a:lnTo>
-                  <a:lnTo>
-                    <a:pt x="1779726" y="4549797"/>
-                  </a:lnTo>
-                  <a:lnTo>
-                    <a:pt x="1821115" y="4506176"/>
-                  </a:lnTo>
-                  <a:lnTo>
-                    <a:pt x="1862504" y="4457116"/>
-                  </a:lnTo>
-                  <a:lnTo>
-                    <a:pt x="1903893" y="4401936"/>
-                  </a:lnTo>
-                  <a:lnTo>
-                    <a:pt x="1945282" y="4340051"/>
-                  </a:lnTo>
-                  <a:lnTo>
-                    <a:pt x="1986671" y="4271012"/>
-                  </a:lnTo>
-                  <a:lnTo>
-                    <a:pt x="2028060" y="4194511"/>
-                  </a:lnTo>
-                  <a:lnTo>
-                    <a:pt x="2069449" y="4110365"/>
-                  </a:lnTo>
-                  <a:lnTo>
-                    <a:pt x="2110838" y="4018505"/>
-                  </a:lnTo>
-                  <a:lnTo>
-                    <a:pt x="2152227" y="3918974"/>
-                  </a:lnTo>
-                  <a:lnTo>
-                    <a:pt x="2193616" y="3811924"/>
-                  </a:lnTo>
-                  <a:lnTo>
-                    <a:pt x="2235005" y="3697623"/>
-                  </a:lnTo>
-                  <a:lnTo>
-                    <a:pt x="2276394" y="3576455"/>
-                  </a:lnTo>
-                  <a:lnTo>
-                    <a:pt x="2317783" y="3448922"/>
-                  </a:lnTo>
-                  <a:lnTo>
-                    <a:pt x="2359172" y="3315630"/>
-                  </a:lnTo>
-                  <a:lnTo>
-                    <a:pt x="2400561" y="3177279"/>
-                  </a:lnTo>
-                  <a:lnTo>
-                    <a:pt x="2441950" y="3034649"/>
-                  </a:lnTo>
-                  <a:lnTo>
-                    <a:pt x="2483339" y="2888574"/>
-                  </a:lnTo>
-                  <a:lnTo>
-                    <a:pt x="2524728" y="2739934"/>
-                  </a:lnTo>
-                  <a:lnTo>
-                    <a:pt x="2566117" y="2589633"/>
-                  </a:lnTo>
-                  <a:lnTo>
-                    <a:pt x="2607506" y="2438594"/>
-                  </a:lnTo>
-                  <a:lnTo>
-                    <a:pt x="2648895" y="2287742"/>
-                  </a:lnTo>
-                  <a:lnTo>
-                    <a:pt x="2690284" y="2138002"/>
-                  </a:lnTo>
-                  <a:lnTo>
-                    <a:pt x="2731673" y="1990289"/>
-                  </a:lnTo>
-                  <a:lnTo>
-                    <a:pt x="2773062" y="1845495"/>
-                  </a:lnTo>
-                  <a:lnTo>
-                    <a:pt x="2814451" y="1704476"/>
-                  </a:lnTo>
-                  <a:lnTo>
-                    <a:pt x="2855840" y="1568032"/>
-                  </a:lnTo>
-                  <a:lnTo>
-                    <a:pt x="2897229" y="1436893"/>
-                  </a:lnTo>
-                  <a:lnTo>
-                    <a:pt x="2938618" y="1311693"/>
-                  </a:lnTo>
-                  <a:lnTo>
-                    <a:pt x="2980007" y="1192957"/>
-                  </a:lnTo>
-                  <a:lnTo>
-                    <a:pt x="3021396" y="1081089"/>
-                  </a:lnTo>
-                  <a:lnTo>
-                    <a:pt x="3062785" y="976364"/>
-                  </a:lnTo>
-                  <a:lnTo>
-                    <a:pt x="3104174" y="878927"/>
-                  </a:lnTo>
-                  <a:lnTo>
-                    <a:pt x="3145563" y="788804"/>
-                  </a:lnTo>
-                  <a:lnTo>
-                    <a:pt x="3186952" y="705908"/>
-                  </a:lnTo>
-                  <a:lnTo>
-                    <a:pt x="3228341" y="630055"/>
-                  </a:lnTo>
-                  <a:lnTo>
-                    <a:pt x="3269730" y="560981"/>
-                  </a:lnTo>
-                  <a:lnTo>
-                    <a:pt x="3311119" y="498361"/>
-                  </a:lnTo>
-                  <a:lnTo>
-                    <a:pt x="3352508" y="441822"/>
-                  </a:lnTo>
-                  <a:lnTo>
-                    <a:pt x="3393897" y="390964"/>
-                  </a:lnTo>
-                  <a:lnTo>
-                    <a:pt x="3435286" y="345371"/>
-                  </a:lnTo>
-                  <a:lnTo>
-                    <a:pt x="3476675" y="304621"/>
-                  </a:lnTo>
-                  <a:lnTo>
-                    <a:pt x="3518064" y="268299"/>
-                  </a:lnTo>
-                  <a:lnTo>
-                    <a:pt x="3559453" y="236003"/>
-                  </a:lnTo>
-                  <a:lnTo>
-                    <a:pt x="3600842" y="207350"/>
-                  </a:lnTo>
-                  <a:lnTo>
-                    <a:pt x="3642231" y="181978"/>
-                  </a:lnTo>
-                  <a:lnTo>
-                    <a:pt x="3683620" y="159551"/>
-                  </a:lnTo>
-                  <a:lnTo>
-                    <a:pt x="3725009" y="139756"/>
-                  </a:lnTo>
-                  <a:lnTo>
-                    <a:pt x="3766398" y="122309"/>
-                  </a:lnTo>
-                  <a:lnTo>
-                    <a:pt x="3807787" y="106949"/>
-                  </a:lnTo>
-                  <a:lnTo>
-                    <a:pt x="3849176" y="93442"/>
-                  </a:lnTo>
-                  <a:lnTo>
-                    <a:pt x="3890565" y="81574"/>
-                  </a:lnTo>
-                  <a:lnTo>
-                    <a:pt x="3931954" y="71155"/>
-                  </a:lnTo>
-                  <a:lnTo>
-                    <a:pt x="3973343" y="62016"/>
-                  </a:lnTo>
-                  <a:lnTo>
-                    <a:pt x="4014732" y="54003"/>
-                  </a:lnTo>
-                  <a:lnTo>
-                    <a:pt x="4056121" y="46982"/>
-                  </a:lnTo>
-                  <a:lnTo>
-                    <a:pt x="4097510" y="40833"/>
-                  </a:lnTo>
-                  <a:lnTo>
-                    <a:pt x="4138899" y="35450"/>
-                  </a:lnTo>
-                  <a:lnTo>
-                    <a:pt x="4180288" y="30740"/>
-                  </a:lnTo>
-                  <a:lnTo>
-                    <a:pt x="4221676" y="26620"/>
-                  </a:lnTo>
-                  <a:lnTo>
-                    <a:pt x="4263065" y="23016"/>
-                  </a:lnTo>
-                  <a:lnTo>
-                    <a:pt x="4304454" y="19865"/>
-                  </a:lnTo>
-                  <a:lnTo>
-                    <a:pt x="4345843" y="17111"/>
-                  </a:lnTo>
-                  <a:lnTo>
-                    <a:pt x="4387232" y="14705"/>
-                  </a:lnTo>
-                  <a:lnTo>
-                    <a:pt x="4428621" y="12601"/>
-                  </a:lnTo>
-                  <a:lnTo>
-                    <a:pt x="4470010" y="10764"/>
-                  </a:lnTo>
-                  <a:lnTo>
-                    <a:pt x="4511399" y="9159"/>
-                  </a:lnTo>
-                  <a:lnTo>
-                    <a:pt x="4552788" y="7757"/>
-                  </a:lnTo>
-                  <a:lnTo>
-                    <a:pt x="4594177" y="6532"/>
-                  </a:lnTo>
-                  <a:lnTo>
-                    <a:pt x="4635566" y="5463"/>
-                  </a:lnTo>
-                  <a:lnTo>
-                    <a:pt x="4676955" y="4529"/>
-                  </a:lnTo>
-                  <a:lnTo>
-                    <a:pt x="4718344" y="3714"/>
-                  </a:lnTo>
-                  <a:lnTo>
-                    <a:pt x="4759733" y="3002"/>
-                  </a:lnTo>
-                  <a:lnTo>
-                    <a:pt x="4801122" y="2380"/>
-                  </a:lnTo>
-                  <a:lnTo>
-                    <a:pt x="4842511" y="1838"/>
-                  </a:lnTo>
-                  <a:lnTo>
-                    <a:pt x="4883900" y="1364"/>
-                  </a:lnTo>
-                  <a:lnTo>
-                    <a:pt x="4925289" y="951"/>
-                  </a:lnTo>
-                  <a:lnTo>
-                    <a:pt x="4966678" y="590"/>
-                  </a:lnTo>
-                  <a:lnTo>
-                    <a:pt x="5008067" y="275"/>
-                  </a:lnTo>
-                  <a:lnTo>
-                    <a:pt x="5049456" y="0"/>
-                  </a:lnTo>
-                  <a:lnTo>
-                    <a:pt x="5049456" y="86811"/>
-                  </a:lnTo>
-                  <a:lnTo>
-                    <a:pt x="5008067" y="94607"/>
-                  </a:lnTo>
-                  <a:lnTo>
-                    <a:pt x="4966678" y="103069"/>
-                  </a:lnTo>
-                  <a:lnTo>
-                    <a:pt x="4925289" y="112253"/>
-                  </a:lnTo>
-                  <a:lnTo>
-                    <a:pt x="4883900" y="122215"/>
-                  </a:lnTo>
-                  <a:lnTo>
-                    <a:pt x="4842511" y="133017"/>
-                  </a:lnTo>
-                  <a:lnTo>
-                    <a:pt x="4801122" y="144723"/>
-                  </a:lnTo>
-                  <a:lnTo>
-                    <a:pt x="4759733" y="157404"/>
-                  </a:lnTo>
-                  <a:lnTo>
-                    <a:pt x="4718344" y="171134"/>
-                  </a:lnTo>
-                  <a:lnTo>
-                    <a:pt x="4676955" y="185989"/>
-                  </a:lnTo>
-                  <a:lnTo>
-                    <a:pt x="4635566" y="202053"/>
-                  </a:lnTo>
-                  <a:lnTo>
-                    <a:pt x="4594177" y="219412"/>
-                  </a:lnTo>
-                  <a:lnTo>
-                    <a:pt x="4552788" y="238156"/>
-                  </a:lnTo>
-                  <a:lnTo>
-                    <a:pt x="4511399" y="258381"/>
-                  </a:lnTo>
-                  <a:lnTo>
-                    <a:pt x="4470010" y="280183"/>
-                  </a:lnTo>
-                  <a:lnTo>
-                    <a:pt x="4428621" y="303666"/>
-                  </a:lnTo>
-                  <a:lnTo>
-                    <a:pt x="4387232" y="328932"/>
-                  </a:lnTo>
-                  <a:lnTo>
-                    <a:pt x="4345843" y="356089"/>
-                  </a:lnTo>
-                  <a:lnTo>
-                    <a:pt x="4304454" y="385246"/>
-                  </a:lnTo>
-                  <a:lnTo>
-                    <a:pt x="4263065" y="416510"/>
-                  </a:lnTo>
-                  <a:lnTo>
-                    <a:pt x="4221676" y="449992"/>
-                  </a:lnTo>
-                  <a:lnTo>
-                    <a:pt x="4180288" y="485798"/>
-                  </a:lnTo>
-                  <a:lnTo>
-                    <a:pt x="4138899" y="524033"/>
-                  </a:lnTo>
-                  <a:lnTo>
-                    <a:pt x="4097510" y="564798"/>
-                  </a:lnTo>
-                  <a:lnTo>
-                    <a:pt x="4056121" y="608189"/>
-                  </a:lnTo>
-                  <a:lnTo>
-                    <a:pt x="4014732" y="654292"/>
-                  </a:lnTo>
-                  <a:lnTo>
-                    <a:pt x="3973343" y="703187"/>
-                  </a:lnTo>
-                  <a:lnTo>
-                    <a:pt x="3931954" y="754941"/>
-                  </a:lnTo>
-                  <a:lnTo>
-                    <a:pt x="3890565" y="809609"/>
-                  </a:lnTo>
-                  <a:lnTo>
-                    <a:pt x="3849176" y="867232"/>
-                  </a:lnTo>
-                  <a:lnTo>
-                    <a:pt x="3807787" y="927834"/>
-                  </a:lnTo>
-                  <a:lnTo>
-                    <a:pt x="3766398" y="991422"/>
-                  </a:lnTo>
-                  <a:lnTo>
-                    <a:pt x="3725009" y="1057982"/>
-                  </a:lnTo>
-                  <a:lnTo>
-                    <a:pt x="3683620" y="1127483"/>
-                  </a:lnTo>
-                  <a:lnTo>
-                    <a:pt x="3642231" y="1199870"/>
-                  </a:lnTo>
-                  <a:lnTo>
-                    <a:pt x="3600842" y="1275070"/>
-                  </a:lnTo>
-                  <a:lnTo>
-                    <a:pt x="3559453" y="1352985"/>
-                  </a:lnTo>
-                  <a:lnTo>
-                    <a:pt x="3518064" y="1433500"/>
-                  </a:lnTo>
-                  <a:lnTo>
-                    <a:pt x="3476675" y="1516479"/>
-                  </a:lnTo>
-                  <a:lnTo>
-                    <a:pt x="3435286" y="1601769"/>
-                  </a:lnTo>
-                  <a:lnTo>
-                    <a:pt x="3393897" y="1689198"/>
-                  </a:lnTo>
-                  <a:lnTo>
-                    <a:pt x="3352508" y="1778581"/>
-                  </a:lnTo>
-                  <a:lnTo>
-                    <a:pt x="3311119" y="1869721"/>
-                  </a:lnTo>
-                  <a:lnTo>
-                    <a:pt x="3269730" y="1962410"/>
-                  </a:lnTo>
-                  <a:lnTo>
-                    <a:pt x="3228341" y="2056431"/>
-                  </a:lnTo>
-                  <a:lnTo>
-                    <a:pt x="3186952" y="2151559"/>
-                  </a:lnTo>
-                  <a:lnTo>
-                    <a:pt x="3145563" y="2247568"/>
-                  </a:lnTo>
-                  <a:lnTo>
-                    <a:pt x="3104174" y="2344225"/>
-                  </a:lnTo>
-                  <a:lnTo>
-                    <a:pt x="3062785" y="2441295"/>
-                  </a:lnTo>
-                  <a:lnTo>
-                    <a:pt x="3021396" y="2538543"/>
-                  </a:lnTo>
-                  <a:lnTo>
-                    <a:pt x="2980007" y="2635733"/>
-                  </a:lnTo>
-                  <a:lnTo>
-                    <a:pt x="2938618" y="2732629"/>
-                  </a:lnTo>
-                  <a:lnTo>
-                    <a:pt x="2897229" y="2828995"/>
-                  </a:lnTo>
-                  <a:lnTo>
-                    <a:pt x="2855840" y="2924599"/>
-                  </a:lnTo>
-                  <a:lnTo>
-                    <a:pt x="2814451" y="3019212"/>
-                  </a:lnTo>
-                  <a:lnTo>
-                    <a:pt x="2773062" y="3112609"/>
-                  </a:lnTo>
-                  <a:lnTo>
-                    <a:pt x="2731673" y="3204572"/>
-                  </a:lnTo>
-                  <a:lnTo>
-                    <a:pt x="2690284" y="3294890"/>
-                  </a:lnTo>
-                  <a:lnTo>
-                    <a:pt x="2648895" y="3383364"/>
-                  </a:lnTo>
-                  <a:lnTo>
-                    <a:pt x="2607506" y="3469808"/>
-                  </a:lnTo>
-                  <a:lnTo>
-                    <a:pt x="2566117" y="3554049"/>
-                  </a:lnTo>
-                  <a:lnTo>
-                    <a:pt x="2524728" y="3635934"/>
-                  </a:lnTo>
-                  <a:lnTo>
-                    <a:pt x="2483339" y="3715327"/>
-                  </a:lnTo>
-                  <a:lnTo>
-                    <a:pt x="2441950" y="3792115"/>
-                  </a:lnTo>
-                  <a:lnTo>
-                    <a:pt x="2400561" y="3866205"/>
-                  </a:lnTo>
-                  <a:lnTo>
-                    <a:pt x="2359172" y="3937533"/>
-                  </a:lnTo>
-                  <a:lnTo>
-                    <a:pt x="2317783" y="4006055"/>
-                  </a:lnTo>
-                  <a:lnTo>
-                    <a:pt x="2276394" y="4071755"/>
-                  </a:lnTo>
-                  <a:lnTo>
-                    <a:pt x="2235005" y="4134646"/>
-                  </a:lnTo>
-                  <a:lnTo>
-                    <a:pt x="2193616" y="4194763"/>
-                  </a:lnTo>
-                  <a:lnTo>
-                    <a:pt x="2152227" y="4252173"/>
-                  </a:lnTo>
-                  <a:lnTo>
-                    <a:pt x="2110838" y="4306966"/>
-                  </a:lnTo>
-                  <a:lnTo>
-                    <a:pt x="2069449" y="4359258"/>
-                  </a:lnTo>
-                  <a:lnTo>
-                    <a:pt x="2028060" y="4409182"/>
-                  </a:lnTo>
-                  <a:lnTo>
-                    <a:pt x="1986671" y="4456878"/>
-                  </a:lnTo>
-                  <a:lnTo>
-                    <a:pt x="1945282" y="4502468"/>
-                  </a:lnTo>
-                  <a:lnTo>
-                    <a:pt x="1903893" y="4546028"/>
-                  </a:lnTo>
-                  <a:lnTo>
-                    <a:pt x="1862504" y="4587553"/>
-                  </a:lnTo>
-                  <a:lnTo>
-                    <a:pt x="1821115" y="4626946"/>
-                  </a:lnTo>
-                  <a:lnTo>
-                    <a:pt x="1779726" y="4664039"/>
-                  </a:lnTo>
-                  <a:lnTo>
-                    <a:pt x="1738337" y="4698646"/>
-                  </a:lnTo>
-                  <a:lnTo>
-                    <a:pt x="1696948" y="4730623"/>
-                  </a:lnTo>
-                  <a:lnTo>
-                    <a:pt x="1655559" y="4759903"/>
-                  </a:lnTo>
-                  <a:lnTo>
-                    <a:pt x="1614170" y="4786502"/>
-                  </a:lnTo>
-                  <a:lnTo>
-                    <a:pt x="1572781" y="4810503"/>
-                  </a:lnTo>
-                  <a:lnTo>
-                    <a:pt x="1531392" y="4832044"/>
-                  </a:lnTo>
-                  <a:lnTo>
-                    <a:pt x="1490003" y="4851289"/>
-                  </a:lnTo>
-                  <a:lnTo>
-                    <a:pt x="1448614" y="4868422"/>
-                  </a:lnTo>
-                  <a:lnTo>
-                    <a:pt x="1407225" y="4883629"/>
-                  </a:lnTo>
-                  <a:lnTo>
-                    <a:pt x="1365836" y="4897095"/>
-                  </a:lnTo>
-                  <a:lnTo>
-                    <a:pt x="1324447" y="4908993"/>
-                  </a:lnTo>
-                  <a:lnTo>
-                    <a:pt x="1283058" y="4919489"/>
-                  </a:lnTo>
-                  <a:lnTo>
-                    <a:pt x="1241669" y="4928735"/>
-                  </a:lnTo>
-                  <a:lnTo>
-                    <a:pt x="1200280" y="4936870"/>
-                  </a:lnTo>
-                  <a:lnTo>
-                    <a:pt x="1158891" y="4944020"/>
-                  </a:lnTo>
-                  <a:lnTo>
-                    <a:pt x="1117502" y="4950298"/>
-                  </a:lnTo>
-                  <a:lnTo>
-                    <a:pt x="1076113" y="4955807"/>
-                  </a:lnTo>
-                  <a:lnTo>
-                    <a:pt x="1034724" y="4960639"/>
-                  </a:lnTo>
-                  <a:lnTo>
-                    <a:pt x="993335" y="4964872"/>
-                  </a:lnTo>
-                  <a:lnTo>
-                    <a:pt x="951946" y="4968581"/>
-                  </a:lnTo>
-                  <a:lnTo>
-                    <a:pt x="910557" y="4971829"/>
-                  </a:lnTo>
-                  <a:lnTo>
-                    <a:pt x="869168" y="4974671"/>
-                  </a:lnTo>
-                  <a:lnTo>
-                    <a:pt x="827779" y="4977158"/>
-                  </a:lnTo>
-                  <a:lnTo>
-                    <a:pt x="786390" y="4979334"/>
-                  </a:lnTo>
-                  <a:lnTo>
-                    <a:pt x="745001" y="4981236"/>
-                  </a:lnTo>
-                  <a:lnTo>
-                    <a:pt x="703612" y="4982900"/>
-                  </a:lnTo>
-                  <a:lnTo>
-                    <a:pt x="662223" y="4984354"/>
-                  </a:lnTo>
-                  <a:lnTo>
-                    <a:pt x="620834" y="4985625"/>
-                  </a:lnTo>
-                  <a:lnTo>
-                    <a:pt x="579445" y="4986736"/>
-                  </a:lnTo>
-                  <a:lnTo>
-                    <a:pt x="538056" y="4987706"/>
-                  </a:lnTo>
-                  <a:lnTo>
-                    <a:pt x="496667" y="4988554"/>
-                  </a:lnTo>
-                  <a:lnTo>
-                    <a:pt x="455278" y="4989295"/>
-                  </a:lnTo>
-                  <a:lnTo>
-                    <a:pt x="413889" y="4989942"/>
-                  </a:lnTo>
-                  <a:lnTo>
-                    <a:pt x="372500" y="4990507"/>
-                  </a:lnTo>
-                  <a:lnTo>
-                    <a:pt x="331111" y="4991000"/>
-                  </a:lnTo>
-                  <a:lnTo>
-                    <a:pt x="289722" y="4991431"/>
-                  </a:lnTo>
-                  <a:lnTo>
-                    <a:pt x="248333" y="4991808"/>
-                  </a:lnTo>
-                  <a:lnTo>
-                    <a:pt x="206944" y="4992136"/>
-                  </a:lnTo>
-                  <a:lnTo>
-                    <a:pt x="165555" y="4992423"/>
-                  </a:lnTo>
-                  <a:lnTo>
-                    <a:pt x="124166" y="4992674"/>
-                  </a:lnTo>
-                  <a:lnTo>
-                    <a:pt x="82777" y="4992892"/>
-                  </a:lnTo>
-                  <a:lnTo>
-                    <a:pt x="41388" y="4993083"/>
-                  </a:lnTo>
-                  <a:lnTo>
-                    <a:pt x="0" y="4993250"/>
-                  </a:lnTo>
-                  <a:close/>
-                </a:path>
-              </a:pathLst>
-            </a:custGeom>
-            <a:solidFill>
-              <a:srgbClr val="D3D3D3">
-                <a:alpha val="100000"/>
-              </a:srgbClr>
-            </a:solidFill>
-          </p:spPr>
-          <p:txBody>
-            <a:bodyPr/>
-            <a:lstStyle/>
-            <a:p/>
-          </p:txBody>
-        </p:sp>
-        <p:sp>
-          <p:nvSpPr>
-            <p:cNvPr id="11" name="pl11"/>
-            <p:cNvSpPr/>
-            <p:nvPr/>
-          </p:nvSpPr>
-          <p:spPr>
-            <a:xfrm>
-              <a:off x="2199579" y="1109701"/>
-              <a:ext cx="5049456" cy="4983360"/>
-            </a:xfrm>
-            <a:custGeom>
-              <a:avLst/>
-              <a:pathLst>
-                <a:path w="5049456" h="4983360">
-                  <a:moveTo>
-                    <a:pt x="0" y="4983360"/>
-                  </a:moveTo>
-                  <a:lnTo>
-                    <a:pt x="0" y="4983360"/>
-                  </a:lnTo>
-                  <a:lnTo>
-                    <a:pt x="41388" y="4982367"/>
-                  </a:lnTo>
-                  <a:lnTo>
-                    <a:pt x="82777" y="4981285"/>
-                  </a:lnTo>
-                  <a:lnTo>
-                    <a:pt x="124166" y="4980106"/>
-                  </a:lnTo>
-                  <a:lnTo>
-                    <a:pt x="165555" y="4978821"/>
-                  </a:lnTo>
-                  <a:lnTo>
-                    <a:pt x="206944" y="4977421"/>
-                  </a:lnTo>
-                  <a:lnTo>
-                    <a:pt x="248333" y="4975895"/>
-                  </a:lnTo>
-                  <a:lnTo>
-                    <a:pt x="289722" y="4974232"/>
-                  </a:lnTo>
-                  <a:lnTo>
-                    <a:pt x="331111" y="4972420"/>
-                  </a:lnTo>
-                  <a:lnTo>
-                    <a:pt x="372500" y="4970446"/>
-                  </a:lnTo>
-                  <a:lnTo>
-                    <a:pt x="413889" y="4968295"/>
-                  </a:lnTo>
-                  <a:lnTo>
-                    <a:pt x="455278" y="4965952"/>
-                  </a:lnTo>
-                  <a:lnTo>
-                    <a:pt x="496667" y="4963399"/>
-                  </a:lnTo>
-                  <a:lnTo>
-                    <a:pt x="538056" y="4960618"/>
-                  </a:lnTo>
-                  <a:lnTo>
-                    <a:pt x="579445" y="4957589"/>
-                  </a:lnTo>
-                  <a:lnTo>
-                    <a:pt x="620834" y="4954290"/>
-                  </a:lnTo>
-                  <a:lnTo>
-                    <a:pt x="662223" y="4950697"/>
-                  </a:lnTo>
-                  <a:lnTo>
-                    <a:pt x="703612" y="4946785"/>
-                  </a:lnTo>
-                  <a:lnTo>
-                    <a:pt x="745001" y="4942524"/>
-                  </a:lnTo>
-                  <a:lnTo>
-                    <a:pt x="786390" y="4937885"/>
-                  </a:lnTo>
-                  <a:lnTo>
-                    <a:pt x="827779" y="4932834"/>
-                  </a:lnTo>
-                  <a:lnTo>
-                    <a:pt x="869168" y="4927336"/>
-                  </a:lnTo>
-                  <a:lnTo>
-                    <a:pt x="910557" y="4921351"/>
-                  </a:lnTo>
-                  <a:lnTo>
-                    <a:pt x="951946" y="4914836"/>
-                  </a:lnTo>
-                  <a:lnTo>
-                    <a:pt x="993335" y="4907747"/>
-                  </a:lnTo>
-                  <a:lnTo>
-                    <a:pt x="1034724" y="4900032"/>
-                  </a:lnTo>
-                  <a:lnTo>
-                    <a:pt x="1076113" y="4891638"/>
-                  </a:lnTo>
-                  <a:lnTo>
-                    <a:pt x="1117502" y="4882504"/>
-                  </a:lnTo>
-                  <a:lnTo>
-                    <a:pt x="1158891" y="4872567"/>
-                  </a:lnTo>
-                  <a:lnTo>
-                    <a:pt x="1200280" y="4861755"/>
-                  </a:lnTo>
-                  <a:lnTo>
-                    <a:pt x="1241669" y="4849992"/>
-                  </a:lnTo>
-                  <a:lnTo>
-                    <a:pt x="1283058" y="4837192"/>
-                  </a:lnTo>
-                  <a:lnTo>
-                    <a:pt x="1324447" y="4823262"/>
-                  </a:lnTo>
-                  <a:lnTo>
-                    <a:pt x="1365836" y="4808097"/>
-                  </a:lnTo>
-                  <a:lnTo>
-                    <a:pt x="1407225" y="4791581"/>
-                  </a:lnTo>
-                  <a:lnTo>
-                    <a:pt x="1448614" y="4773580"/>
-                  </a:lnTo>
-                  <a:lnTo>
-                    <a:pt x="1490003" y="4753942"/>
-                  </a:lnTo>
-                  <a:lnTo>
-                    <a:pt x="1531392" y="4732489"/>
-                  </a:lnTo>
-                  <a:lnTo>
-                    <a:pt x="1572781" y="4709009"/>
-                  </a:lnTo>
-                  <a:lnTo>
-                    <a:pt x="1614170" y="4683244"/>
-                  </a:lnTo>
-                  <a:lnTo>
-                    <a:pt x="1655559" y="4654879"/>
-                  </a:lnTo>
-                  <a:lnTo>
-                    <a:pt x="1696948" y="4623522"/>
-                  </a:lnTo>
-                  <a:lnTo>
-                    <a:pt x="1738337" y="4588690"/>
-                  </a:lnTo>
-                  <a:lnTo>
-                    <a:pt x="1779726" y="4549797"/>
-                  </a:lnTo>
-                  <a:lnTo>
-                    <a:pt x="1821115" y="4506176"/>
-                  </a:lnTo>
-                  <a:lnTo>
-                    <a:pt x="1862504" y="4457116"/>
-                  </a:lnTo>
-                  <a:lnTo>
-                    <a:pt x="1903893" y="4401936"/>
-                  </a:lnTo>
-                  <a:lnTo>
-                    <a:pt x="1945282" y="4340051"/>
-                  </a:lnTo>
-                  <a:lnTo>
-                    <a:pt x="1986671" y="4271012"/>
-                  </a:lnTo>
-                  <a:lnTo>
-                    <a:pt x="2028060" y="4194511"/>
-                  </a:lnTo>
-                  <a:lnTo>
-                    <a:pt x="2069449" y="4110365"/>
-                  </a:lnTo>
-                  <a:lnTo>
-                    <a:pt x="2110838" y="4018505"/>
-                  </a:lnTo>
-                  <a:lnTo>
-                    <a:pt x="2152227" y="3918974"/>
-                  </a:lnTo>
-                  <a:lnTo>
-                    <a:pt x="2193616" y="3811924"/>
-                  </a:lnTo>
-                  <a:lnTo>
-                    <a:pt x="2235005" y="3697623"/>
-                  </a:lnTo>
-                  <a:lnTo>
-                    <a:pt x="2276394" y="3576455"/>
-                  </a:lnTo>
-                  <a:lnTo>
-                    <a:pt x="2317783" y="3448922"/>
-                  </a:lnTo>
-                  <a:lnTo>
-                    <a:pt x="2359172" y="3315630"/>
-                  </a:lnTo>
-                  <a:lnTo>
-                    <a:pt x="2400561" y="3177279"/>
-                  </a:lnTo>
-                  <a:lnTo>
-                    <a:pt x="2441950" y="3034649"/>
-                  </a:lnTo>
-                  <a:lnTo>
-                    <a:pt x="2483339" y="2888574"/>
-                  </a:lnTo>
-                  <a:lnTo>
-                    <a:pt x="2524728" y="2739934"/>
-                  </a:lnTo>
-                  <a:lnTo>
-                    <a:pt x="2566117" y="2589633"/>
-                  </a:lnTo>
-                  <a:lnTo>
-                    <a:pt x="2607506" y="2438594"/>
-                  </a:lnTo>
-                  <a:lnTo>
-                    <a:pt x="2648895" y="2287742"/>
-                  </a:lnTo>
-                  <a:lnTo>
-                    <a:pt x="2690284" y="2138002"/>
-                  </a:lnTo>
-                  <a:lnTo>
-                    <a:pt x="2731673" y="1990289"/>
-                  </a:lnTo>
-                  <a:lnTo>
-                    <a:pt x="2773062" y="1845495"/>
-                  </a:lnTo>
-                  <a:lnTo>
-                    <a:pt x="2814451" y="1704476"/>
-                  </a:lnTo>
-                  <a:lnTo>
-                    <a:pt x="2855840" y="1568032"/>
-                  </a:lnTo>
-                  <a:lnTo>
-                    <a:pt x="2897229" y="1436893"/>
-                  </a:lnTo>
-                  <a:lnTo>
-                    <a:pt x="2938618" y="1311693"/>
-                  </a:lnTo>
-                  <a:lnTo>
-                    <a:pt x="2980007" y="1192957"/>
-                  </a:lnTo>
-                  <a:lnTo>
-                    <a:pt x="3021396" y="1081089"/>
-                  </a:lnTo>
-                  <a:lnTo>
-                    <a:pt x="3062785" y="976364"/>
-                  </a:lnTo>
-                  <a:lnTo>
-                    <a:pt x="3104174" y="878927"/>
-                  </a:lnTo>
-                  <a:lnTo>
-                    <a:pt x="3145563" y="788804"/>
-                  </a:lnTo>
-                  <a:lnTo>
-                    <a:pt x="3186952" y="705908"/>
-                  </a:lnTo>
-                  <a:lnTo>
-                    <a:pt x="3228341" y="630055"/>
-                  </a:lnTo>
-                  <a:lnTo>
-                    <a:pt x="3269730" y="560981"/>
-                  </a:lnTo>
-                  <a:lnTo>
-                    <a:pt x="3311119" y="498361"/>
-                  </a:lnTo>
-                  <a:lnTo>
-                    <a:pt x="3352508" y="441822"/>
-                  </a:lnTo>
-                  <a:lnTo>
-                    <a:pt x="3393897" y="390964"/>
-                  </a:lnTo>
-                  <a:lnTo>
-                    <a:pt x="3435286" y="345371"/>
-                  </a:lnTo>
-                  <a:lnTo>
-                    <a:pt x="3476675" y="304621"/>
-                  </a:lnTo>
-                  <a:lnTo>
-                    <a:pt x="3518064" y="268299"/>
-                  </a:lnTo>
-                  <a:lnTo>
-                    <a:pt x="3559453" y="236003"/>
-                  </a:lnTo>
-                  <a:lnTo>
-                    <a:pt x="3600842" y="207350"/>
-                  </a:lnTo>
-                  <a:lnTo>
-                    <a:pt x="3642231" y="181978"/>
-                  </a:lnTo>
-                  <a:lnTo>
-                    <a:pt x="3683620" y="159551"/>
-                  </a:lnTo>
-                  <a:lnTo>
-                    <a:pt x="3725009" y="139756"/>
-                  </a:lnTo>
-                  <a:lnTo>
-                    <a:pt x="3766398" y="122309"/>
-                  </a:lnTo>
-                  <a:lnTo>
-                    <a:pt x="3807787" y="106949"/>
-                  </a:lnTo>
-                  <a:lnTo>
-                    <a:pt x="3849176" y="93442"/>
-                  </a:lnTo>
-                  <a:lnTo>
-                    <a:pt x="3890565" y="81574"/>
-                  </a:lnTo>
-                  <a:lnTo>
-                    <a:pt x="3931954" y="71155"/>
-                  </a:lnTo>
-                  <a:lnTo>
-                    <a:pt x="3973343" y="62016"/>
-                  </a:lnTo>
-                  <a:lnTo>
-                    <a:pt x="4014732" y="54003"/>
-                  </a:lnTo>
-                  <a:lnTo>
-                    <a:pt x="4056121" y="46982"/>
-                  </a:lnTo>
-                  <a:lnTo>
-                    <a:pt x="4097510" y="40833"/>
-                  </a:lnTo>
-                  <a:lnTo>
-                    <a:pt x="4138899" y="35450"/>
-                  </a:lnTo>
-                  <a:lnTo>
-                    <a:pt x="4180288" y="30740"/>
-                  </a:lnTo>
-                  <a:lnTo>
-                    <a:pt x="4221676" y="26620"/>
-                  </a:lnTo>
-                  <a:lnTo>
-                    <a:pt x="4263065" y="23016"/>
-                  </a:lnTo>
-                  <a:lnTo>
-                    <a:pt x="4304454" y="19865"/>
-                  </a:lnTo>
-                  <a:lnTo>
-                    <a:pt x="4345843" y="17111"/>
-                  </a:lnTo>
-                  <a:lnTo>
-                    <a:pt x="4387232" y="14705"/>
-                  </a:lnTo>
-                  <a:lnTo>
-                    <a:pt x="4428621" y="12601"/>
-                  </a:lnTo>
-                  <a:lnTo>
-                    <a:pt x="4470010" y="10764"/>
-                  </a:lnTo>
-                  <a:lnTo>
-                    <a:pt x="4511399" y="9159"/>
-                  </a:lnTo>
-                  <a:lnTo>
-                    <a:pt x="4552788" y="7757"/>
-                  </a:lnTo>
-                  <a:lnTo>
-                    <a:pt x="4594177" y="6532"/>
-                  </a:lnTo>
-                  <a:lnTo>
-                    <a:pt x="4635566" y="5463"/>
-                  </a:lnTo>
-                  <a:lnTo>
-                    <a:pt x="4676955" y="4529"/>
-                  </a:lnTo>
-                  <a:lnTo>
-                    <a:pt x="4718344" y="3714"/>
-                  </a:lnTo>
-                  <a:lnTo>
-                    <a:pt x="4759733" y="3002"/>
-                  </a:lnTo>
-                  <a:lnTo>
-                    <a:pt x="4801122" y="2380"/>
-                  </a:lnTo>
-                  <a:lnTo>
-                    <a:pt x="4842511" y="1838"/>
-                  </a:lnTo>
-                  <a:lnTo>
-                    <a:pt x="4883900" y="1364"/>
-                  </a:lnTo>
-                  <a:lnTo>
-                    <a:pt x="4925289" y="951"/>
-                  </a:lnTo>
-                  <a:lnTo>
-                    <a:pt x="4966678" y="590"/>
-                  </a:lnTo>
-                  <a:lnTo>
-                    <a:pt x="5008067" y="275"/>
-                  </a:lnTo>
-                  <a:lnTo>
-                    <a:pt x="5049456" y="0"/>
-                  </a:lnTo>
-                  <a:lnTo>
-                    <a:pt x="5049456" y="0"/>
-                  </a:lnTo>
-                </a:path>
-              </a:pathLst>
-            </a:custGeom>
-          </p:spPr>
-          <p:txBody>
-            <a:bodyPr/>
-            <a:lstStyle/>
-            <a:p/>
-          </p:txBody>
-        </p:sp>
-        <p:sp>
-          <p:nvSpPr>
-            <p:cNvPr id="12" name="pl12"/>
-            <p:cNvSpPr/>
-            <p:nvPr/>
-          </p:nvSpPr>
-          <p:spPr>
-            <a:xfrm>
-              <a:off x="2199579" y="1196512"/>
-              <a:ext cx="5049456" cy="4906439"/>
-            </a:xfrm>
-            <a:custGeom>
-              <a:avLst/>
-              <a:pathLst>
-                <a:path w="5049456" h="4906439">
-                  <a:moveTo>
-                    <a:pt x="5049456" y="0"/>
-                  </a:moveTo>
-                  <a:lnTo>
-                    <a:pt x="5049456" y="0"/>
-                  </a:lnTo>
-                  <a:lnTo>
-                    <a:pt x="5008067" y="7795"/>
-                  </a:lnTo>
-                  <a:lnTo>
-                    <a:pt x="4966678" y="16258"/>
-                  </a:lnTo>
-                  <a:lnTo>
-                    <a:pt x="4925289" y="25442"/>
-                  </a:lnTo>
-                  <a:lnTo>
-                    <a:pt x="4883900" y="35404"/>
-                  </a:lnTo>
-                  <a:lnTo>
-                    <a:pt x="4842511" y="46205"/>
-                  </a:lnTo>
-                  <a:lnTo>
-                    <a:pt x="4801122" y="57912"/>
-                  </a:lnTo>
-                  <a:lnTo>
-                    <a:pt x="4759733" y="70593"/>
-                  </a:lnTo>
-                  <a:lnTo>
-                    <a:pt x="4718344" y="84322"/>
-                  </a:lnTo>
-                  <a:lnTo>
-                    <a:pt x="4676955" y="99178"/>
-                  </a:lnTo>
-                  <a:lnTo>
-                    <a:pt x="4635566" y="115242"/>
-                  </a:lnTo>
-                  <a:lnTo>
-                    <a:pt x="4594177" y="132601"/>
-                  </a:lnTo>
-                  <a:lnTo>
-                    <a:pt x="4552788" y="151345"/>
-                  </a:lnTo>
-                  <a:lnTo>
-                    <a:pt x="4511399" y="171570"/>
-                  </a:lnTo>
-                  <a:lnTo>
-                    <a:pt x="4470010" y="193372"/>
-                  </a:lnTo>
-                  <a:lnTo>
-                    <a:pt x="4428621" y="216854"/>
-                  </a:lnTo>
-                  <a:lnTo>
-                    <a:pt x="4387232" y="242121"/>
-                  </a:lnTo>
-                  <a:lnTo>
-                    <a:pt x="4345843" y="269278"/>
-                  </a:lnTo>
-                  <a:lnTo>
-                    <a:pt x="4304454" y="298434"/>
-                  </a:lnTo>
-                  <a:lnTo>
-                    <a:pt x="4263065" y="329699"/>
-                  </a:lnTo>
-                  <a:lnTo>
-                    <a:pt x="4221676" y="363181"/>
-                  </a:lnTo>
-                  <a:lnTo>
-                    <a:pt x="4180288" y="398987"/>
-                  </a:lnTo>
-                  <a:lnTo>
-                    <a:pt x="4138899" y="437222"/>
-                  </a:lnTo>
-                  <a:lnTo>
-                    <a:pt x="4097510" y="477987"/>
-                  </a:lnTo>
-                  <a:lnTo>
-                    <a:pt x="4056121" y="521378"/>
-                  </a:lnTo>
-                  <a:lnTo>
-                    <a:pt x="4014732" y="567481"/>
-                  </a:lnTo>
-                  <a:lnTo>
-                    <a:pt x="3973343" y="616375"/>
-                  </a:lnTo>
-                  <a:lnTo>
-                    <a:pt x="3931954" y="668129"/>
-                  </a:lnTo>
-                  <a:lnTo>
-                    <a:pt x="3890565" y="722798"/>
-                  </a:lnTo>
-                  <a:lnTo>
-                    <a:pt x="3849176" y="780421"/>
-                  </a:lnTo>
-                  <a:lnTo>
-                    <a:pt x="3807787" y="841023"/>
-                  </a:lnTo>
-                  <a:lnTo>
-                    <a:pt x="3766398" y="904611"/>
-                  </a:lnTo>
-                  <a:lnTo>
-                    <a:pt x="3725009" y="971171"/>
-                  </a:lnTo>
-                  <a:lnTo>
-                    <a:pt x="3683620" y="1040672"/>
-                  </a:lnTo>
-                  <a:lnTo>
-                    <a:pt x="3642231" y="1113059"/>
-                  </a:lnTo>
-                  <a:lnTo>
-                    <a:pt x="3600842" y="1188258"/>
-                  </a:lnTo>
-                  <a:lnTo>
-                    <a:pt x="3559453" y="1266174"/>
-                  </a:lnTo>
-                  <a:lnTo>
-                    <a:pt x="3518064" y="1346689"/>
-                  </a:lnTo>
-                  <a:lnTo>
-                    <a:pt x="3476675" y="1429668"/>
-                  </a:lnTo>
-                  <a:lnTo>
-                    <a:pt x="3435286" y="1514957"/>
-                  </a:lnTo>
-                  <a:lnTo>
-                    <a:pt x="3393897" y="1602386"/>
-                  </a:lnTo>
-                  <a:lnTo>
-                    <a:pt x="3352508" y="1691770"/>
-                  </a:lnTo>
-                  <a:lnTo>
-                    <a:pt x="3311119" y="1782910"/>
-                  </a:lnTo>
-                  <a:lnTo>
-                    <a:pt x="3269730" y="1875599"/>
-                  </a:lnTo>
-                  <a:lnTo>
-                    <a:pt x="3228341" y="1969619"/>
-                  </a:lnTo>
-                  <a:lnTo>
-                    <a:pt x="3186952" y="2064748"/>
-                  </a:lnTo>
-                  <a:lnTo>
-                    <a:pt x="3145563" y="2160757"/>
-                  </a:lnTo>
-                  <a:lnTo>
-                    <a:pt x="3104174" y="2257414"/>
-                  </a:lnTo>
-                  <a:lnTo>
-                    <a:pt x="3062785" y="2354484"/>
-                  </a:lnTo>
-                  <a:lnTo>
-                    <a:pt x="3021396" y="2451732"/>
-                  </a:lnTo>
-                  <a:lnTo>
-                    <a:pt x="2980007" y="2548922"/>
-                  </a:lnTo>
-                  <a:lnTo>
-                    <a:pt x="2938618" y="2645817"/>
-                  </a:lnTo>
-                  <a:lnTo>
-                    <a:pt x="2897229" y="2742184"/>
-                  </a:lnTo>
-                  <a:lnTo>
-                    <a:pt x="2855840" y="2837788"/>
-                  </a:lnTo>
-                  <a:lnTo>
-                    <a:pt x="2814451" y="2932401"/>
-                  </a:lnTo>
-                  <a:lnTo>
-                    <a:pt x="2773062" y="3025798"/>
-                  </a:lnTo>
-                  <a:lnTo>
-                    <a:pt x="2731673" y="3117761"/>
-                  </a:lnTo>
-                  <a:lnTo>
-                    <a:pt x="2690284" y="3208079"/>
-                  </a:lnTo>
-                  <a:lnTo>
-                    <a:pt x="2648895" y="3296553"/>
-                  </a:lnTo>
-                  <a:lnTo>
-                    <a:pt x="2607506" y="3382997"/>
-                  </a:lnTo>
-                  <a:lnTo>
-                    <a:pt x="2566117" y="3467238"/>
-                  </a:lnTo>
-                  <a:lnTo>
-                    <a:pt x="2524728" y="3549123"/>
-                  </a:lnTo>
-                  <a:lnTo>
-                    <a:pt x="2483339" y="3628516"/>
-                  </a:lnTo>
-                  <a:lnTo>
-                    <a:pt x="2441950" y="3705303"/>
-                  </a:lnTo>
-                  <a:lnTo>
-                    <a:pt x="2400561" y="3779394"/>
-                  </a:lnTo>
-                  <a:lnTo>
-                    <a:pt x="2359172" y="3850722"/>
-                  </a:lnTo>
-                  <a:lnTo>
-                    <a:pt x="2317783" y="3919243"/>
-                  </a:lnTo>
-                  <a:lnTo>
-                    <a:pt x="2276394" y="3984944"/>
-                  </a:lnTo>
-                  <a:lnTo>
-                    <a:pt x="2235005" y="4047834"/>
-                  </a:lnTo>
-                  <a:lnTo>
-                    <a:pt x="2193616" y="4107952"/>
-                  </a:lnTo>
-                  <a:lnTo>
-                    <a:pt x="2152227" y="4165362"/>
-                  </a:lnTo>
-                  <a:lnTo>
-                    <a:pt x="2110838" y="4220155"/>
-                  </a:lnTo>
-                  <a:lnTo>
-                    <a:pt x="2069449" y="4272447"/>
-                  </a:lnTo>
-                  <a:lnTo>
-                    <a:pt x="2028060" y="4322371"/>
-                  </a:lnTo>
-                  <a:lnTo>
-                    <a:pt x="1986671" y="4370067"/>
-                  </a:lnTo>
-                  <a:lnTo>
-                    <a:pt x="1945282" y="4415657"/>
-                  </a:lnTo>
-                  <a:lnTo>
-                    <a:pt x="1903893" y="4459217"/>
-                  </a:lnTo>
-                  <a:lnTo>
-                    <a:pt x="1862504" y="4500742"/>
-                  </a:lnTo>
-                  <a:lnTo>
-                    <a:pt x="1821115" y="4540135"/>
-                  </a:lnTo>
-                  <a:lnTo>
-                    <a:pt x="1779726" y="4577227"/>
-                  </a:lnTo>
-                  <a:lnTo>
-                    <a:pt x="1738337" y="4611834"/>
-                  </a:lnTo>
-                  <a:lnTo>
-                    <a:pt x="1696948" y="4643812"/>
-                  </a:lnTo>
-                  <a:lnTo>
-                    <a:pt x="1655559" y="4673092"/>
-                  </a:lnTo>
-                  <a:lnTo>
-                    <a:pt x="1614170" y="4699691"/>
-                  </a:lnTo>
-                  <a:lnTo>
-                    <a:pt x="1572781" y="4723692"/>
-                  </a:lnTo>
-                  <a:lnTo>
-                    <a:pt x="1531392" y="4745232"/>
-                  </a:lnTo>
-                  <a:lnTo>
-                    <a:pt x="1490003" y="4764478"/>
-                  </a:lnTo>
-                  <a:lnTo>
-                    <a:pt x="1448614" y="4781611"/>
-                  </a:lnTo>
-                  <a:lnTo>
-                    <a:pt x="1407225" y="4796818"/>
-                  </a:lnTo>
-                  <a:lnTo>
-                    <a:pt x="1365836" y="4810283"/>
-                  </a:lnTo>
-                  <a:lnTo>
-                    <a:pt x="1324447" y="4822182"/>
-                  </a:lnTo>
-                  <a:lnTo>
-                    <a:pt x="1283058" y="4832678"/>
-                  </a:lnTo>
-                  <a:lnTo>
-                    <a:pt x="1241669" y="4841924"/>
-                  </a:lnTo>
-                  <a:lnTo>
-                    <a:pt x="1200280" y="4850059"/>
-                  </a:lnTo>
-                  <a:lnTo>
-                    <a:pt x="1158891" y="4857209"/>
-                  </a:lnTo>
-                  <a:lnTo>
-                    <a:pt x="1117502" y="4863487"/>
-                  </a:lnTo>
-                  <a:lnTo>
-                    <a:pt x="1076113" y="4868996"/>
-                  </a:lnTo>
-                  <a:lnTo>
-                    <a:pt x="1034724" y="4873827"/>
-                  </a:lnTo>
-                  <a:lnTo>
-                    <a:pt x="993335" y="4878061"/>
-                  </a:lnTo>
-                  <a:lnTo>
-                    <a:pt x="951946" y="4881770"/>
-                  </a:lnTo>
-                  <a:lnTo>
-                    <a:pt x="910557" y="4885018"/>
-                  </a:lnTo>
-                  <a:lnTo>
-                    <a:pt x="869168" y="4887860"/>
-                  </a:lnTo>
-                  <a:lnTo>
-                    <a:pt x="827779" y="4890347"/>
-                  </a:lnTo>
-                  <a:lnTo>
-                    <a:pt x="786390" y="4892523"/>
-                  </a:lnTo>
-                  <a:lnTo>
-                    <a:pt x="745001" y="4894425"/>
-                  </a:lnTo>
-                  <a:lnTo>
-                    <a:pt x="703612" y="4896089"/>
-                  </a:lnTo>
-                  <a:lnTo>
-                    <a:pt x="662223" y="4897543"/>
-                  </a:lnTo>
-                  <a:lnTo>
-                    <a:pt x="620834" y="4898814"/>
-                  </a:lnTo>
-                  <a:lnTo>
-                    <a:pt x="579445" y="4899924"/>
-                  </a:lnTo>
-                  <a:lnTo>
-                    <a:pt x="538056" y="4900895"/>
-                  </a:lnTo>
-                  <a:lnTo>
-                    <a:pt x="496667" y="4901743"/>
-                  </a:lnTo>
-                  <a:lnTo>
-                    <a:pt x="455278" y="4902483"/>
-                  </a:lnTo>
-                  <a:lnTo>
-                    <a:pt x="413889" y="4903130"/>
-                  </a:lnTo>
-                  <a:lnTo>
-                    <a:pt x="372500" y="4903695"/>
-                  </a:lnTo>
-                  <a:lnTo>
-                    <a:pt x="331111" y="4904189"/>
-                  </a:lnTo>
-                  <a:lnTo>
-                    <a:pt x="289722" y="4904620"/>
-                  </a:lnTo>
-                  <a:lnTo>
-                    <a:pt x="248333" y="4904996"/>
-                  </a:lnTo>
-                  <a:lnTo>
-                    <a:pt x="206944" y="4905325"/>
-                  </a:lnTo>
-                  <a:lnTo>
-                    <a:pt x="165555" y="4905612"/>
-                  </a:lnTo>
-                  <a:lnTo>
-                    <a:pt x="124166" y="4905863"/>
-                  </a:lnTo>
-                  <a:lnTo>
-                    <a:pt x="82777" y="4906081"/>
-                  </a:lnTo>
-                  <a:lnTo>
-                    <a:pt x="41388" y="4906272"/>
-                  </a:lnTo>
-                  <a:lnTo>
-                    <a:pt x="0" y="4906439"/>
-                  </a:lnTo>
-                  <a:lnTo>
-                    <a:pt x="0" y="4906439"/>
-                  </a:lnTo>
-                </a:path>
-              </a:pathLst>
-            </a:custGeom>
-          </p:spPr>
-          <p:txBody>
-            <a:bodyPr/>
-            <a:lstStyle/>
-            <a:p/>
-          </p:txBody>
-        </p:sp>
-        <p:sp>
-          <p:nvSpPr>
-            <p:cNvPr id="13" name="pl13"/>
-            <p:cNvSpPr/>
-            <p:nvPr/>
-          </p:nvSpPr>
-          <p:spPr>
-            <a:xfrm>
-              <a:off x="2199579" y="1120858"/>
-              <a:ext cx="5049456" cy="4979681"/>
-            </a:xfrm>
-            <a:custGeom>
-              <a:avLst/>
-              <a:pathLst>
-                <a:path w="5049456" h="4979681">
-                  <a:moveTo>
-                    <a:pt x="0" y="4979681"/>
-                  </a:moveTo>
-                  <a:lnTo>
-                    <a:pt x="0" y="4979681"/>
-                  </a:lnTo>
-                  <a:lnTo>
-                    <a:pt x="41388" y="4979263"/>
-                  </a:lnTo>
-                  <a:lnTo>
-                    <a:pt x="82777" y="4978796"/>
-                  </a:lnTo>
-                  <a:lnTo>
-                    <a:pt x="124166" y="4978274"/>
-                  </a:lnTo>
-                  <a:lnTo>
-                    <a:pt x="165555" y="4977691"/>
-                  </a:lnTo>
-                  <a:lnTo>
-                    <a:pt x="206944" y="4977040"/>
-                  </a:lnTo>
-                  <a:lnTo>
-                    <a:pt x="248333" y="4976312"/>
-                  </a:lnTo>
-                  <a:lnTo>
-                    <a:pt x="289722" y="4975499"/>
-                  </a:lnTo>
-                  <a:lnTo>
-                    <a:pt x="331111" y="4974591"/>
-                  </a:lnTo>
-                  <a:lnTo>
-                    <a:pt x="372500" y="4973577"/>
-                  </a:lnTo>
-                  <a:lnTo>
-                    <a:pt x="413889" y="4972444"/>
-                  </a:lnTo>
-                  <a:lnTo>
-                    <a:pt x="455278" y="4971178"/>
-                  </a:lnTo>
-                  <a:lnTo>
-                    <a:pt x="496667" y="4969765"/>
-                  </a:lnTo>
-                  <a:lnTo>
-                    <a:pt x="538056" y="4968187"/>
-                  </a:lnTo>
-                  <a:lnTo>
-                    <a:pt x="579445" y="4966424"/>
-                  </a:lnTo>
-                  <a:lnTo>
-                    <a:pt x="620834" y="4964456"/>
-                  </a:lnTo>
-                  <a:lnTo>
-                    <a:pt x="662223" y="4962259"/>
-                  </a:lnTo>
-                  <a:lnTo>
-                    <a:pt x="703612" y="4959807"/>
-                  </a:lnTo>
-                  <a:lnTo>
-                    <a:pt x="745001" y="4957069"/>
-                  </a:lnTo>
-                  <a:lnTo>
-                    <a:pt x="786390" y="4954015"/>
-                  </a:lnTo>
-                  <a:lnTo>
-                    <a:pt x="827779" y="4950606"/>
-                  </a:lnTo>
-                  <a:lnTo>
-                    <a:pt x="869168" y="4946804"/>
-                  </a:lnTo>
-                  <a:lnTo>
-                    <a:pt x="910557" y="4942563"/>
-                  </a:lnTo>
-                  <a:lnTo>
-                    <a:pt x="951946" y="4937835"/>
-                  </a:lnTo>
-                  <a:lnTo>
-                    <a:pt x="993335" y="4932563"/>
-                  </a:lnTo>
-                  <a:lnTo>
-                    <a:pt x="1034724" y="4926689"/>
-                  </a:lnTo>
-                  <a:lnTo>
-                    <a:pt x="1076113" y="4920144"/>
-                  </a:lnTo>
-                  <a:lnTo>
-                    <a:pt x="1117502" y="4912856"/>
-                  </a:lnTo>
-                  <a:lnTo>
-                    <a:pt x="1158891" y="4904742"/>
-                  </a:lnTo>
-                  <a:lnTo>
-                    <a:pt x="1200280" y="4895714"/>
-                  </a:lnTo>
-                  <a:lnTo>
-                    <a:pt x="1241669" y="4885673"/>
-                  </a:lnTo>
-                  <a:lnTo>
-                    <a:pt x="1283058" y="4874512"/>
-                  </a:lnTo>
-                  <a:lnTo>
-                    <a:pt x="1324447" y="4862115"/>
-                  </a:lnTo>
-                  <a:lnTo>
-                    <a:pt x="1365836" y="4848352"/>
-                  </a:lnTo>
-                  <a:lnTo>
-                    <a:pt x="1407225" y="4833086"/>
-                  </a:lnTo>
-                  <a:lnTo>
-                    <a:pt x="1448614" y="4816167"/>
-                  </a:lnTo>
-                  <a:lnTo>
-                    <a:pt x="1490003" y="4797433"/>
-                  </a:lnTo>
-                  <a:lnTo>
-                    <a:pt x="1531392" y="4776711"/>
-                  </a:lnTo>
-                  <a:lnTo>
-                    <a:pt x="1572781" y="4753816"/>
-                  </a:lnTo>
-                  <a:lnTo>
-                    <a:pt x="1614170" y="4728553"/>
-                  </a:lnTo>
-                  <a:lnTo>
-                    <a:pt x="1655559" y="4700714"/>
-                  </a:lnTo>
-                  <a:lnTo>
-                    <a:pt x="1696948" y="4670084"/>
-                  </a:lnTo>
-                  <a:lnTo>
-                    <a:pt x="1738337" y="4636440"/>
-                  </a:lnTo>
-                  <a:lnTo>
-                    <a:pt x="1779726" y="4599552"/>
-                  </a:lnTo>
-                  <a:lnTo>
-                    <a:pt x="1821115" y="4559188"/>
-                  </a:lnTo>
-                  <a:lnTo>
-                    <a:pt x="1862504" y="4515117"/>
-                  </a:lnTo>
-                  <a:lnTo>
-                    <a:pt x="1903893" y="4467112"/>
-                  </a:lnTo>
-                  <a:lnTo>
-                    <a:pt x="1945282" y="4414956"/>
-                  </a:lnTo>
-                  <a:lnTo>
-                    <a:pt x="1986671" y="4358445"/>
-                  </a:lnTo>
-                  <a:lnTo>
-                    <a:pt x="2028060" y="4297398"/>
-                  </a:lnTo>
-                  <a:lnTo>
-                    <a:pt x="2069449" y="4231659"/>
-                  </a:lnTo>
-                  <a:lnTo>
-                    <a:pt x="2110838" y="4161106"/>
-                  </a:lnTo>
-                  <a:lnTo>
-                    <a:pt x="2152227" y="4085656"/>
-                  </a:lnTo>
-                  <a:lnTo>
-                    <a:pt x="2193616" y="4005274"/>
-                  </a:lnTo>
-                  <a:lnTo>
-                    <a:pt x="2235005" y="3919972"/>
-                  </a:lnTo>
-                  <a:lnTo>
-                    <a:pt x="2276394" y="3829822"/>
-                  </a:lnTo>
-                  <a:lnTo>
-                    <a:pt x="2317783" y="3734948"/>
-                  </a:lnTo>
-                  <a:lnTo>
-                    <a:pt x="2359172" y="3635536"/>
-                  </a:lnTo>
-                  <a:lnTo>
-                    <a:pt x="2400561" y="3531827"/>
-                  </a:lnTo>
-                  <a:lnTo>
-                    <a:pt x="2441950" y="3424117"/>
-                  </a:lnTo>
-                  <a:lnTo>
-                    <a:pt x="2483339" y="3312749"/>
-                  </a:lnTo>
-                  <a:lnTo>
-                    <a:pt x="2524728" y="3198111"/>
-                  </a:lnTo>
-                  <a:lnTo>
-                    <a:pt x="2566117" y="3080625"/>
-                  </a:lnTo>
-                  <a:lnTo>
-                    <a:pt x="2607506" y="2960744"/>
-                  </a:lnTo>
-                  <a:lnTo>
-                    <a:pt x="2648895" y="2838940"/>
-                  </a:lnTo>
-                  <a:lnTo>
-                    <a:pt x="2690284" y="2715702"/>
-                  </a:lnTo>
-                  <a:lnTo>
-                    <a:pt x="2731673" y="2591526"/>
-                  </a:lnTo>
-                  <a:lnTo>
-                    <a:pt x="2773062" y="2466918"/>
-                  </a:lnTo>
-                  <a:lnTo>
-                    <a:pt x="2814451" y="2342384"/>
-                  </a:lnTo>
-                  <a:lnTo>
-                    <a:pt x="2855840" y="2218430"/>
-                  </a:lnTo>
-                  <a:lnTo>
-                    <a:pt x="2897229" y="2095559"/>
-                  </a:lnTo>
-                  <a:lnTo>
-                    <a:pt x="2938618" y="1974266"/>
-                  </a:lnTo>
-                  <a:lnTo>
-                    <a:pt x="2980007" y="1855036"/>
-                  </a:lnTo>
-                  <a:lnTo>
-                    <a:pt x="3021396" y="1738335"/>
-                  </a:lnTo>
-                  <a:lnTo>
-                    <a:pt x="3062785" y="1624609"/>
-                  </a:lnTo>
-                  <a:lnTo>
-                    <a:pt x="3104174" y="1514269"/>
-                  </a:lnTo>
-                  <a:lnTo>
-                    <a:pt x="3145563" y="1407692"/>
-                  </a:lnTo>
-                  <a:lnTo>
-                    <a:pt x="3186952" y="1305208"/>
-                  </a:lnTo>
-                  <a:lnTo>
-                    <a:pt x="3228341" y="1207097"/>
-                  </a:lnTo>
-                  <a:lnTo>
-                    <a:pt x="3269730" y="1113585"/>
-                  </a:lnTo>
-                  <a:lnTo>
-                    <a:pt x="3311119" y="1024838"/>
-                  </a:lnTo>
-                  <a:lnTo>
-                    <a:pt x="3352508" y="940967"/>
-                  </a:lnTo>
-                  <a:lnTo>
-                    <a:pt x="3393897" y="862024"/>
-                  </a:lnTo>
-                  <a:lnTo>
-                    <a:pt x="3435286" y="788008"/>
-                  </a:lnTo>
-                  <a:lnTo>
-                    <a:pt x="3476675" y="718869"/>
-                  </a:lnTo>
-                  <a:lnTo>
-                    <a:pt x="3518064" y="654512"/>
-                  </a:lnTo>
-                  <a:lnTo>
-                    <a:pt x="3559453" y="594806"/>
-                  </a:lnTo>
-                  <a:lnTo>
-                    <a:pt x="3600842" y="539585"/>
-                  </a:lnTo>
-                  <a:lnTo>
-                    <a:pt x="3642231" y="488661"/>
-                  </a:lnTo>
-                  <a:lnTo>
-                    <a:pt x="3683620" y="441826"/>
-                  </a:lnTo>
-                  <a:lnTo>
-                    <a:pt x="3725009" y="398860"/>
-                  </a:lnTo>
-                  <a:lnTo>
-                    <a:pt x="3766398" y="359534"/>
-                  </a:lnTo>
-                  <a:lnTo>
-                    <a:pt x="3807787" y="323616"/>
-                  </a:lnTo>
-                  <a:lnTo>
-                    <a:pt x="3849176" y="290874"/>
-                  </a:lnTo>
-                  <a:lnTo>
-                    <a:pt x="3890565" y="261081"/>
-                  </a:lnTo>
-                  <a:lnTo>
-                    <a:pt x="3931954" y="234016"/>
-                  </a:lnTo>
-                  <a:lnTo>
-                    <a:pt x="3973343" y="209464"/>
-                  </a:lnTo>
-                  <a:lnTo>
-                    <a:pt x="4014732" y="187222"/>
-                  </a:lnTo>
-                  <a:lnTo>
-                    <a:pt x="4056121" y="167099"/>
-                  </a:lnTo>
-                  <a:lnTo>
-                    <a:pt x="4097510" y="148912"/>
-                  </a:lnTo>
-                  <a:lnTo>
-                    <a:pt x="4138899" y="132491"/>
-                  </a:lnTo>
-                  <a:lnTo>
-                    <a:pt x="4180288" y="117678"/>
-                  </a:lnTo>
-                  <a:lnTo>
-                    <a:pt x="4221676" y="104328"/>
-                  </a:lnTo>
-                  <a:lnTo>
-                    <a:pt x="4263065" y="92303"/>
-                  </a:lnTo>
-                  <a:lnTo>
-                    <a:pt x="4304454" y="81481"/>
-                  </a:lnTo>
-                  <a:lnTo>
-                    <a:pt x="4345843" y="71746"/>
-                  </a:lnTo>
-                  <a:lnTo>
-                    <a:pt x="4387232" y="62994"/>
-                  </a:lnTo>
-                  <a:lnTo>
-                    <a:pt x="4428621" y="55130"/>
-                  </a:lnTo>
-                  <a:lnTo>
-                    <a:pt x="4470010" y="48066"/>
-                  </a:lnTo>
-                  <a:lnTo>
-                    <a:pt x="4511399" y="41725"/>
-                  </a:lnTo>
-                  <a:lnTo>
-                    <a:pt x="4552788" y="36033"/>
-                  </a:lnTo>
-                  <a:lnTo>
-                    <a:pt x="4594177" y="30926"/>
-                  </a:lnTo>
-                  <a:lnTo>
-                    <a:pt x="4635566" y="26345"/>
-                  </a:lnTo>
-                  <a:lnTo>
-                    <a:pt x="4676955" y="22237"/>
-                  </a:lnTo>
-                  <a:lnTo>
-                    <a:pt x="4718344" y="18554"/>
-                  </a:lnTo>
-                  <a:lnTo>
-                    <a:pt x="4759733" y="15252"/>
-                  </a:lnTo>
-                  <a:lnTo>
-                    <a:pt x="4801122" y="12294"/>
-                  </a:lnTo>
-                  <a:lnTo>
-                    <a:pt x="4842511" y="9643"/>
-                  </a:lnTo>
-                  <a:lnTo>
-                    <a:pt x="4883900" y="7268"/>
-                  </a:lnTo>
-                  <a:lnTo>
-                    <a:pt x="4925289" y="5140"/>
-                  </a:lnTo>
-                  <a:lnTo>
-                    <a:pt x="4966678" y="3235"/>
-                  </a:lnTo>
-                  <a:lnTo>
-                    <a:pt x="5008067" y="1528"/>
-                  </a:lnTo>
-                  <a:lnTo>
-                    <a:pt x="5049456" y="0"/>
-                  </a:lnTo>
-                  <a:lnTo>
-                    <a:pt x="5049456" y="0"/>
-                  </a:lnTo>
-                </a:path>
-              </a:pathLst>
-            </a:custGeom>
-            <a:ln w="13550" cap="flat">
-              <a:solidFill>
-                <a:srgbClr val="BEBEBE">
-                  <a:alpha val="100000"/>
-                </a:srgbClr>
-              </a:solidFill>
-              <a:prstDash val="solid"/>
-              <a:round/>
-            </a:ln>
-          </p:spPr>
-          <p:txBody>
-            <a:bodyPr/>
-            <a:lstStyle/>
-            <a:p/>
-          </p:txBody>
-        </p:sp>
-        <p:sp>
-          <p:nvSpPr>
-            <p:cNvPr id="14" name="pg14"/>
-            <p:cNvSpPr/>
-            <p:nvPr/>
-          </p:nvSpPr>
-          <p:spPr>
-            <a:xfrm>
               <a:off x="2199579" y="1173480"/>
               <a:ext cx="5049456" cy="4924851"/>
             </a:xfrm>
@@ -6139,7 +4161,7 @@
         </p:sp>
         <p:sp>
           <p:nvSpPr>
-            <p:cNvPr id="15" name="pl15"/>
+            <p:cNvPr id="11" name="pl11"/>
             <p:cNvSpPr/>
             <p:nvPr/>
           </p:nvSpPr>
@@ -6539,7 +4561,7 @@
         </p:sp>
         <p:sp>
           <p:nvSpPr>
-            <p:cNvPr id="16" name="pl16"/>
+            <p:cNvPr id="12" name="pl12"/>
             <p:cNvSpPr/>
             <p:nvPr/>
           </p:nvSpPr>
@@ -6939,7 +4961,7 @@
         </p:sp>
         <p:sp>
           <p:nvSpPr>
-            <p:cNvPr id="17" name="pl17"/>
+            <p:cNvPr id="13" name="pl13"/>
             <p:cNvSpPr/>
             <p:nvPr/>
           </p:nvSpPr>
@@ -7348,7 +5370,7 @@
         </p:sp>
         <p:sp>
           <p:nvSpPr>
-            <p:cNvPr id="18" name="pt18"/>
+            <p:cNvPr id="14" name="pt14"/>
             <p:cNvSpPr/>
             <p:nvPr/>
           </p:nvSpPr>
@@ -7383,7 +5405,7 @@
         </p:sp>
         <p:sp>
           <p:nvSpPr>
-            <p:cNvPr id="19" name="pt19"/>
+            <p:cNvPr id="15" name="pt15"/>
             <p:cNvSpPr/>
             <p:nvPr/>
           </p:nvSpPr>
@@ -7418,7 +5440,7 @@
         </p:sp>
         <p:sp>
           <p:nvSpPr>
-            <p:cNvPr id="20" name="pt20"/>
+            <p:cNvPr id="16" name="pt16"/>
             <p:cNvSpPr/>
             <p:nvPr/>
           </p:nvSpPr>
@@ -7453,7 +5475,7 @@
         </p:sp>
         <p:sp>
           <p:nvSpPr>
-            <p:cNvPr id="21" name="pt21"/>
+            <p:cNvPr id="17" name="pt17"/>
             <p:cNvSpPr/>
             <p:nvPr/>
           </p:nvSpPr>
@@ -7488,7 +5510,7 @@
         </p:sp>
         <p:sp>
           <p:nvSpPr>
-            <p:cNvPr id="22" name="pt22"/>
+            <p:cNvPr id="18" name="pt18"/>
             <p:cNvSpPr/>
             <p:nvPr/>
           </p:nvSpPr>
@@ -7523,7 +5545,7 @@
         </p:sp>
         <p:sp>
           <p:nvSpPr>
-            <p:cNvPr id="23" name="pt23"/>
+            <p:cNvPr id="19" name="pt19"/>
             <p:cNvSpPr/>
             <p:nvPr/>
           </p:nvSpPr>
@@ -7558,7 +5580,7 @@
         </p:sp>
         <p:sp>
           <p:nvSpPr>
-            <p:cNvPr id="24" name="pt24"/>
+            <p:cNvPr id="20" name="pt20"/>
             <p:cNvSpPr/>
             <p:nvPr/>
           </p:nvSpPr>
@@ -7593,7 +5615,7 @@
         </p:sp>
         <p:sp>
           <p:nvSpPr>
-            <p:cNvPr id="25" name="pt25"/>
+            <p:cNvPr id="21" name="pt21"/>
             <p:cNvSpPr/>
             <p:nvPr/>
           </p:nvSpPr>
@@ -7628,7 +5650,7 @@
         </p:sp>
         <p:sp>
           <p:nvSpPr>
-            <p:cNvPr id="26" name="pt26"/>
+            <p:cNvPr id="22" name="pt22"/>
             <p:cNvSpPr/>
             <p:nvPr/>
           </p:nvSpPr>
@@ -7663,7 +5685,7 @@
         </p:sp>
         <p:sp>
           <p:nvSpPr>
-            <p:cNvPr id="27" name="pt27"/>
+            <p:cNvPr id="23" name="pt23"/>
             <p:cNvSpPr/>
             <p:nvPr/>
           </p:nvSpPr>
@@ -7698,7 +5720,7 @@
         </p:sp>
         <p:sp>
           <p:nvSpPr>
-            <p:cNvPr id="28" name="pt28"/>
+            <p:cNvPr id="24" name="pt24"/>
             <p:cNvSpPr/>
             <p:nvPr/>
           </p:nvSpPr>
@@ -7733,7 +5755,7 @@
         </p:sp>
         <p:sp>
           <p:nvSpPr>
-            <p:cNvPr id="29" name="pt29"/>
+            <p:cNvPr id="25" name="pt25"/>
             <p:cNvSpPr/>
             <p:nvPr/>
           </p:nvSpPr>
@@ -7768,7 +5790,7 @@
         </p:sp>
         <p:sp>
           <p:nvSpPr>
-            <p:cNvPr id="30" name="pt30"/>
+            <p:cNvPr id="26" name="pt26"/>
             <p:cNvSpPr/>
             <p:nvPr/>
           </p:nvSpPr>
@@ -7803,7 +5825,7 @@
         </p:sp>
         <p:sp>
           <p:nvSpPr>
-            <p:cNvPr id="31" name="pt31"/>
+            <p:cNvPr id="27" name="pt27"/>
             <p:cNvSpPr/>
             <p:nvPr/>
           </p:nvSpPr>
@@ -7838,7 +5860,7 @@
         </p:sp>
         <p:sp>
           <p:nvSpPr>
-            <p:cNvPr id="32" name="pt32"/>
+            <p:cNvPr id="28" name="pt28"/>
             <p:cNvSpPr/>
             <p:nvPr/>
           </p:nvSpPr>
@@ -7873,7 +5895,7 @@
         </p:sp>
         <p:sp>
           <p:nvSpPr>
-            <p:cNvPr id="33" name="pt33"/>
+            <p:cNvPr id="29" name="pt29"/>
             <p:cNvSpPr/>
             <p:nvPr/>
           </p:nvSpPr>
@@ -7908,7 +5930,7 @@
         </p:sp>
         <p:sp>
           <p:nvSpPr>
-            <p:cNvPr id="34" name="pt34"/>
+            <p:cNvPr id="30" name="pt30"/>
             <p:cNvSpPr/>
             <p:nvPr/>
           </p:nvSpPr>
@@ -7943,7 +5965,7 @@
         </p:sp>
         <p:sp>
           <p:nvSpPr>
-            <p:cNvPr id="35" name="pt35"/>
+            <p:cNvPr id="31" name="pt31"/>
             <p:cNvSpPr/>
             <p:nvPr/>
           </p:nvSpPr>
@@ -7978,7 +6000,7 @@
         </p:sp>
         <p:sp>
           <p:nvSpPr>
-            <p:cNvPr id="36" name="pt36"/>
+            <p:cNvPr id="32" name="pt32"/>
             <p:cNvSpPr/>
             <p:nvPr/>
           </p:nvSpPr>
@@ -8013,7 +6035,7 @@
         </p:sp>
         <p:sp>
           <p:nvSpPr>
-            <p:cNvPr id="37" name="pt37"/>
+            <p:cNvPr id="33" name="pt33"/>
             <p:cNvSpPr/>
             <p:nvPr/>
           </p:nvSpPr>
@@ -8048,7 +6070,7 @@
         </p:sp>
         <p:sp>
           <p:nvSpPr>
-            <p:cNvPr id="38" name="pt38"/>
+            <p:cNvPr id="34" name="pt34"/>
             <p:cNvSpPr/>
             <p:nvPr/>
           </p:nvSpPr>
@@ -8083,7 +6105,7 @@
         </p:sp>
         <p:sp>
           <p:nvSpPr>
-            <p:cNvPr id="39" name="pt39"/>
+            <p:cNvPr id="35" name="pt35"/>
             <p:cNvSpPr/>
             <p:nvPr/>
           </p:nvSpPr>
@@ -8118,7 +6140,7 @@
         </p:sp>
         <p:sp>
           <p:nvSpPr>
-            <p:cNvPr id="40" name="pt40"/>
+            <p:cNvPr id="36" name="pt36"/>
             <p:cNvSpPr/>
             <p:nvPr/>
           </p:nvSpPr>
@@ -8153,7 +6175,7 @@
         </p:sp>
         <p:sp>
           <p:nvSpPr>
-            <p:cNvPr id="41" name="pt41"/>
+            <p:cNvPr id="37" name="pt37"/>
             <p:cNvSpPr/>
             <p:nvPr/>
           </p:nvSpPr>
@@ -8188,7 +6210,7 @@
         </p:sp>
         <p:sp>
           <p:nvSpPr>
-            <p:cNvPr id="42" name="pt42"/>
+            <p:cNvPr id="38" name="pt38"/>
             <p:cNvSpPr/>
             <p:nvPr/>
           </p:nvSpPr>
@@ -8223,7 +6245,7 @@
         </p:sp>
         <p:sp>
           <p:nvSpPr>
-            <p:cNvPr id="43" name="pt43"/>
+            <p:cNvPr id="39" name="pt39"/>
             <p:cNvSpPr/>
             <p:nvPr/>
           </p:nvSpPr>
@@ -8258,7 +6280,7 @@
         </p:sp>
         <p:sp>
           <p:nvSpPr>
-            <p:cNvPr id="44" name="pt44"/>
+            <p:cNvPr id="40" name="pt40"/>
             <p:cNvSpPr/>
             <p:nvPr/>
           </p:nvSpPr>
@@ -8293,7 +6315,7 @@
         </p:sp>
         <p:sp>
           <p:nvSpPr>
-            <p:cNvPr id="45" name="pt45"/>
+            <p:cNvPr id="41" name="pt41"/>
             <p:cNvSpPr/>
             <p:nvPr/>
           </p:nvSpPr>
@@ -8328,7 +6350,7 @@
         </p:sp>
         <p:sp>
           <p:nvSpPr>
-            <p:cNvPr id="46" name="pt46"/>
+            <p:cNvPr id="42" name="pt42"/>
             <p:cNvSpPr/>
             <p:nvPr/>
           </p:nvSpPr>
@@ -8363,7 +6385,7 @@
         </p:sp>
         <p:sp>
           <p:nvSpPr>
-            <p:cNvPr id="47" name="pt47"/>
+            <p:cNvPr id="43" name="pt43"/>
             <p:cNvSpPr/>
             <p:nvPr/>
           </p:nvSpPr>
@@ -8398,7 +6420,7 @@
         </p:sp>
         <p:sp>
           <p:nvSpPr>
-            <p:cNvPr id="48" name="pt48"/>
+            <p:cNvPr id="44" name="pt44"/>
             <p:cNvSpPr/>
             <p:nvPr/>
           </p:nvSpPr>
@@ -8433,7 +6455,7 @@
         </p:sp>
         <p:sp>
           <p:nvSpPr>
-            <p:cNvPr id="49" name="pt49"/>
+            <p:cNvPr id="45" name="pt45"/>
             <p:cNvSpPr/>
             <p:nvPr/>
           </p:nvSpPr>
@@ -8468,7 +6490,7 @@
         </p:sp>
         <p:sp>
           <p:nvSpPr>
-            <p:cNvPr id="50" name="pt50"/>
+            <p:cNvPr id="46" name="pt46"/>
             <p:cNvSpPr/>
             <p:nvPr/>
           </p:nvSpPr>
@@ -8503,7 +6525,7 @@
         </p:sp>
         <p:sp>
           <p:nvSpPr>
-            <p:cNvPr id="51" name="pt51"/>
+            <p:cNvPr id="47" name="pt47"/>
             <p:cNvSpPr/>
             <p:nvPr/>
           </p:nvSpPr>
@@ -8538,7 +6560,7 @@
         </p:sp>
         <p:sp>
           <p:nvSpPr>
-            <p:cNvPr id="52" name="pt52"/>
+            <p:cNvPr id="48" name="pt48"/>
             <p:cNvSpPr/>
             <p:nvPr/>
           </p:nvSpPr>
@@ -8573,7 +6595,7 @@
         </p:sp>
         <p:sp>
           <p:nvSpPr>
-            <p:cNvPr id="53" name="pt53"/>
+            <p:cNvPr id="49" name="pt49"/>
             <p:cNvSpPr/>
             <p:nvPr/>
           </p:nvSpPr>
@@ -8608,7 +6630,7 @@
         </p:sp>
         <p:sp>
           <p:nvSpPr>
-            <p:cNvPr id="54" name="pt54"/>
+            <p:cNvPr id="50" name="pt50"/>
             <p:cNvSpPr/>
             <p:nvPr/>
           </p:nvSpPr>
@@ -8643,7 +6665,7 @@
         </p:sp>
         <p:sp>
           <p:nvSpPr>
-            <p:cNvPr id="55" name="pt55"/>
+            <p:cNvPr id="51" name="pt51"/>
             <p:cNvSpPr/>
             <p:nvPr/>
           </p:nvSpPr>
@@ -8678,7 +6700,7 @@
         </p:sp>
         <p:sp>
           <p:nvSpPr>
-            <p:cNvPr id="56" name="pt56"/>
+            <p:cNvPr id="52" name="pt52"/>
             <p:cNvSpPr/>
             <p:nvPr/>
           </p:nvSpPr>
@@ -8713,7 +6735,7 @@
         </p:sp>
         <p:sp>
           <p:nvSpPr>
-            <p:cNvPr id="57" name="pt57"/>
+            <p:cNvPr id="53" name="pt53"/>
             <p:cNvSpPr/>
             <p:nvPr/>
           </p:nvSpPr>
@@ -8748,7 +6770,7 @@
         </p:sp>
         <p:sp>
           <p:nvSpPr>
-            <p:cNvPr id="58" name="pt58"/>
+            <p:cNvPr id="54" name="pt54"/>
             <p:cNvSpPr/>
             <p:nvPr/>
           </p:nvSpPr>
@@ -8783,7 +6805,7 @@
         </p:sp>
         <p:sp>
           <p:nvSpPr>
-            <p:cNvPr id="59" name="pt59"/>
+            <p:cNvPr id="55" name="pt55"/>
             <p:cNvSpPr/>
             <p:nvPr/>
           </p:nvSpPr>
@@ -8818,7 +6840,7 @@
         </p:sp>
         <p:sp>
           <p:nvSpPr>
-            <p:cNvPr id="60" name="pt60"/>
+            <p:cNvPr id="56" name="pt56"/>
             <p:cNvSpPr/>
             <p:nvPr/>
           </p:nvSpPr>
@@ -8853,7 +6875,7 @@
         </p:sp>
         <p:sp>
           <p:nvSpPr>
-            <p:cNvPr id="61" name="pt61"/>
+            <p:cNvPr id="57" name="pt57"/>
             <p:cNvSpPr/>
             <p:nvPr/>
           </p:nvSpPr>
@@ -8888,7 +6910,7 @@
         </p:sp>
         <p:sp>
           <p:nvSpPr>
-            <p:cNvPr id="62" name="pt62"/>
+            <p:cNvPr id="58" name="pt58"/>
             <p:cNvSpPr/>
             <p:nvPr/>
           </p:nvSpPr>
@@ -8923,7 +6945,7 @@
         </p:sp>
         <p:sp>
           <p:nvSpPr>
-            <p:cNvPr id="63" name="pt63"/>
+            <p:cNvPr id="59" name="pt59"/>
             <p:cNvSpPr/>
             <p:nvPr/>
           </p:nvSpPr>
@@ -8958,7 +6980,7 @@
         </p:sp>
         <p:sp>
           <p:nvSpPr>
-            <p:cNvPr id="64" name="pt64"/>
+            <p:cNvPr id="60" name="pt60"/>
             <p:cNvSpPr/>
             <p:nvPr/>
           </p:nvSpPr>
@@ -8993,7 +7015,7 @@
         </p:sp>
         <p:sp>
           <p:nvSpPr>
-            <p:cNvPr id="65" name="pt65"/>
+            <p:cNvPr id="61" name="pt61"/>
             <p:cNvSpPr/>
             <p:nvPr/>
           </p:nvSpPr>
@@ -9028,7 +7050,7 @@
         </p:sp>
         <p:sp>
           <p:nvSpPr>
-            <p:cNvPr id="66" name="pt66"/>
+            <p:cNvPr id="62" name="pt62"/>
             <p:cNvSpPr/>
             <p:nvPr/>
           </p:nvSpPr>
@@ -9063,7 +7085,7 @@
         </p:sp>
         <p:sp>
           <p:nvSpPr>
-            <p:cNvPr id="67" name="pt67"/>
+            <p:cNvPr id="63" name="pt63"/>
             <p:cNvSpPr/>
             <p:nvPr/>
           </p:nvSpPr>
@@ -9098,7 +7120,7 @@
         </p:sp>
         <p:sp>
           <p:nvSpPr>
-            <p:cNvPr id="68" name="pt68"/>
+            <p:cNvPr id="64" name="pt64"/>
             <p:cNvSpPr/>
             <p:nvPr/>
           </p:nvSpPr>
@@ -9133,7 +7155,7 @@
         </p:sp>
         <p:sp>
           <p:nvSpPr>
-            <p:cNvPr id="69" name="pt69"/>
+            <p:cNvPr id="65" name="pt65"/>
             <p:cNvSpPr/>
             <p:nvPr/>
           </p:nvSpPr>
@@ -9168,7 +7190,7 @@
         </p:sp>
         <p:sp>
           <p:nvSpPr>
-            <p:cNvPr id="70" name="pt70"/>
+            <p:cNvPr id="66" name="pt66"/>
             <p:cNvSpPr/>
             <p:nvPr/>
           </p:nvSpPr>
@@ -9203,7 +7225,7 @@
         </p:sp>
         <p:sp>
           <p:nvSpPr>
-            <p:cNvPr id="71" name="pt71"/>
+            <p:cNvPr id="67" name="pt67"/>
             <p:cNvSpPr/>
             <p:nvPr/>
           </p:nvSpPr>
@@ -9238,7 +7260,7 @@
         </p:sp>
         <p:sp>
           <p:nvSpPr>
-            <p:cNvPr id="72" name="pt72"/>
+            <p:cNvPr id="68" name="pt68"/>
             <p:cNvSpPr/>
             <p:nvPr/>
           </p:nvSpPr>
@@ -9273,7 +7295,7 @@
         </p:sp>
         <p:sp>
           <p:nvSpPr>
-            <p:cNvPr id="73" name="pt73"/>
+            <p:cNvPr id="69" name="pt69"/>
             <p:cNvSpPr/>
             <p:nvPr/>
           </p:nvSpPr>
@@ -9308,7 +7330,7 @@
         </p:sp>
         <p:sp>
           <p:nvSpPr>
-            <p:cNvPr id="74" name="pt74"/>
+            <p:cNvPr id="70" name="pt70"/>
             <p:cNvSpPr/>
             <p:nvPr/>
           </p:nvSpPr>
@@ -9343,7 +7365,7 @@
         </p:sp>
         <p:sp>
           <p:nvSpPr>
-            <p:cNvPr id="75" name="pt75"/>
+            <p:cNvPr id="71" name="pt71"/>
             <p:cNvSpPr/>
             <p:nvPr/>
           </p:nvSpPr>
@@ -9378,7 +7400,7 @@
         </p:sp>
         <p:sp>
           <p:nvSpPr>
-            <p:cNvPr id="76" name="pt76"/>
+            <p:cNvPr id="72" name="pt72"/>
             <p:cNvSpPr/>
             <p:nvPr/>
           </p:nvSpPr>
@@ -9413,7 +7435,7 @@
         </p:sp>
         <p:sp>
           <p:nvSpPr>
-            <p:cNvPr id="77" name="pt77"/>
+            <p:cNvPr id="73" name="pt73"/>
             <p:cNvSpPr/>
             <p:nvPr/>
           </p:nvSpPr>
@@ -9448,7 +7470,7 @@
         </p:sp>
         <p:sp>
           <p:nvSpPr>
-            <p:cNvPr id="78" name="pt78"/>
+            <p:cNvPr id="74" name="pt74"/>
             <p:cNvSpPr/>
             <p:nvPr/>
           </p:nvSpPr>
@@ -9483,7 +7505,7 @@
         </p:sp>
         <p:sp>
           <p:nvSpPr>
-            <p:cNvPr id="79" name="pt79"/>
+            <p:cNvPr id="75" name="pt75"/>
             <p:cNvSpPr/>
             <p:nvPr/>
           </p:nvSpPr>
@@ -9518,7 +7540,7 @@
         </p:sp>
         <p:sp>
           <p:nvSpPr>
-            <p:cNvPr id="80" name="pt80"/>
+            <p:cNvPr id="76" name="pt76"/>
             <p:cNvSpPr/>
             <p:nvPr/>
           </p:nvSpPr>
@@ -9553,7 +7575,7 @@
         </p:sp>
         <p:sp>
           <p:nvSpPr>
-            <p:cNvPr id="81" name="pt81"/>
+            <p:cNvPr id="77" name="pt77"/>
             <p:cNvSpPr/>
             <p:nvPr/>
           </p:nvSpPr>
@@ -9588,7 +7610,7 @@
         </p:sp>
         <p:sp>
           <p:nvSpPr>
-            <p:cNvPr id="82" name="pt82"/>
+            <p:cNvPr id="78" name="pt78"/>
             <p:cNvSpPr/>
             <p:nvPr/>
           </p:nvSpPr>
@@ -9623,7 +7645,7 @@
         </p:sp>
         <p:sp>
           <p:nvSpPr>
-            <p:cNvPr id="83" name="pt83"/>
+            <p:cNvPr id="79" name="pt79"/>
             <p:cNvSpPr/>
             <p:nvPr/>
           </p:nvSpPr>
@@ -9658,7 +7680,7 @@
         </p:sp>
         <p:sp>
           <p:nvSpPr>
-            <p:cNvPr id="84" name="pt84"/>
+            <p:cNvPr id="80" name="pt80"/>
             <p:cNvSpPr/>
             <p:nvPr/>
           </p:nvSpPr>
@@ -9693,7 +7715,7 @@
         </p:sp>
         <p:sp>
           <p:nvSpPr>
-            <p:cNvPr id="85" name="pt85"/>
+            <p:cNvPr id="81" name="pt81"/>
             <p:cNvSpPr/>
             <p:nvPr/>
           </p:nvSpPr>
@@ -9728,7 +7750,7 @@
         </p:sp>
         <p:sp>
           <p:nvSpPr>
-            <p:cNvPr id="86" name="pt86"/>
+            <p:cNvPr id="82" name="pt82"/>
             <p:cNvSpPr/>
             <p:nvPr/>
           </p:nvSpPr>
@@ -9763,7 +7785,7 @@
         </p:sp>
         <p:sp>
           <p:nvSpPr>
-            <p:cNvPr id="87" name="pt87"/>
+            <p:cNvPr id="83" name="pt83"/>
             <p:cNvSpPr/>
             <p:nvPr/>
           </p:nvSpPr>
@@ -9798,7 +7820,7 @@
         </p:sp>
         <p:sp>
           <p:nvSpPr>
-            <p:cNvPr id="88" name="pt88"/>
+            <p:cNvPr id="84" name="pt84"/>
             <p:cNvSpPr/>
             <p:nvPr/>
           </p:nvSpPr>
@@ -9833,7 +7855,7 @@
         </p:sp>
         <p:sp>
           <p:nvSpPr>
-            <p:cNvPr id="89" name="pt89"/>
+            <p:cNvPr id="85" name="pt85"/>
             <p:cNvSpPr/>
             <p:nvPr/>
           </p:nvSpPr>
@@ -9868,7 +7890,7 @@
         </p:sp>
         <p:sp>
           <p:nvSpPr>
-            <p:cNvPr id="90" name="pt90"/>
+            <p:cNvPr id="86" name="pt86"/>
             <p:cNvSpPr/>
             <p:nvPr/>
           </p:nvSpPr>
@@ -9903,7 +7925,7 @@
         </p:sp>
         <p:sp>
           <p:nvSpPr>
-            <p:cNvPr id="91" name="pt91"/>
+            <p:cNvPr id="87" name="pt87"/>
             <p:cNvSpPr/>
             <p:nvPr/>
           </p:nvSpPr>
@@ -9938,7 +7960,7 @@
         </p:sp>
         <p:sp>
           <p:nvSpPr>
-            <p:cNvPr id="92" name="pt92"/>
+            <p:cNvPr id="88" name="pt88"/>
             <p:cNvSpPr/>
             <p:nvPr/>
           </p:nvSpPr>
@@ -9973,7 +7995,7 @@
         </p:sp>
         <p:sp>
           <p:nvSpPr>
-            <p:cNvPr id="93" name="pt93"/>
+            <p:cNvPr id="89" name="pt89"/>
             <p:cNvSpPr/>
             <p:nvPr/>
           </p:nvSpPr>
@@ -10008,7 +8030,7 @@
         </p:sp>
         <p:sp>
           <p:nvSpPr>
-            <p:cNvPr id="94" name="pt94"/>
+            <p:cNvPr id="90" name="pt90"/>
             <p:cNvSpPr/>
             <p:nvPr/>
           </p:nvSpPr>
@@ -10043,7 +8065,7 @@
         </p:sp>
         <p:sp>
           <p:nvSpPr>
-            <p:cNvPr id="95" name="pt95"/>
+            <p:cNvPr id="91" name="pt91"/>
             <p:cNvSpPr/>
             <p:nvPr/>
           </p:nvSpPr>
@@ -10078,7 +8100,7 @@
         </p:sp>
         <p:sp>
           <p:nvSpPr>
-            <p:cNvPr id="96" name="pt96"/>
+            <p:cNvPr id="92" name="pt92"/>
             <p:cNvSpPr/>
             <p:nvPr/>
           </p:nvSpPr>
@@ -10113,7 +8135,7 @@
         </p:sp>
         <p:sp>
           <p:nvSpPr>
-            <p:cNvPr id="97" name="pt97"/>
+            <p:cNvPr id="93" name="pt93"/>
             <p:cNvSpPr/>
             <p:nvPr/>
           </p:nvSpPr>
@@ -10148,7 +8170,7 @@
         </p:sp>
         <p:sp>
           <p:nvSpPr>
-            <p:cNvPr id="98" name="pt98"/>
+            <p:cNvPr id="94" name="pt94"/>
             <p:cNvSpPr/>
             <p:nvPr/>
           </p:nvSpPr>
@@ -10183,7 +8205,7 @@
         </p:sp>
         <p:sp>
           <p:nvSpPr>
-            <p:cNvPr id="99" name="tx99"/>
+            <p:cNvPr id="95" name="tx95"/>
             <p:cNvSpPr/>
             <p:nvPr/>
           </p:nvSpPr>
@@ -10229,7 +8251,7 @@
         </p:sp>
         <p:sp>
           <p:nvSpPr>
-            <p:cNvPr id="100" name="tx100"/>
+            <p:cNvPr id="96" name="tx96"/>
             <p:cNvSpPr/>
             <p:nvPr/>
           </p:nvSpPr>
@@ -10275,7 +8297,7 @@
         </p:sp>
         <p:sp>
           <p:nvSpPr>
-            <p:cNvPr id="101" name="tx101"/>
+            <p:cNvPr id="97" name="tx97"/>
             <p:cNvSpPr/>
             <p:nvPr/>
           </p:nvSpPr>
@@ -10321,7 +8343,7 @@
         </p:sp>
         <p:sp>
           <p:nvSpPr>
-            <p:cNvPr id="102" name="tx102"/>
+            <p:cNvPr id="98" name="tx98"/>
             <p:cNvSpPr/>
             <p:nvPr/>
           </p:nvSpPr>
@@ -10367,7 +8389,7 @@
         </p:sp>
         <p:sp>
           <p:nvSpPr>
-            <p:cNvPr id="103" name="tx103"/>
+            <p:cNvPr id="99" name="tx99"/>
             <p:cNvSpPr/>
             <p:nvPr/>
           </p:nvSpPr>
@@ -10413,7 +8435,7 @@
         </p:sp>
         <p:sp>
           <p:nvSpPr>
-            <p:cNvPr id="104" name="pl104"/>
+            <p:cNvPr id="100" name="pl100"/>
             <p:cNvSpPr/>
             <p:nvPr/>
           </p:nvSpPr>
@@ -10453,7 +8475,7 @@
         </p:sp>
         <p:sp>
           <p:nvSpPr>
-            <p:cNvPr id="105" name="pl105"/>
+            <p:cNvPr id="101" name="pl101"/>
             <p:cNvSpPr/>
             <p:nvPr/>
           </p:nvSpPr>
@@ -10493,7 +8515,7 @@
         </p:sp>
         <p:sp>
           <p:nvSpPr>
-            <p:cNvPr id="106" name="pl106"/>
+            <p:cNvPr id="102" name="pl102"/>
             <p:cNvSpPr/>
             <p:nvPr/>
           </p:nvSpPr>
@@ -10533,7 +8555,7 @@
         </p:sp>
         <p:sp>
           <p:nvSpPr>
-            <p:cNvPr id="107" name="pl107"/>
+            <p:cNvPr id="103" name="pl103"/>
             <p:cNvSpPr/>
             <p:nvPr/>
           </p:nvSpPr>
@@ -10573,7 +8595,7 @@
         </p:sp>
         <p:sp>
           <p:nvSpPr>
-            <p:cNvPr id="108" name="pl108"/>
+            <p:cNvPr id="104" name="pl104"/>
             <p:cNvSpPr/>
             <p:nvPr/>
           </p:nvSpPr>
@@ -10613,7 +8635,7 @@
         </p:sp>
         <p:sp>
           <p:nvSpPr>
-            <p:cNvPr id="109" name="pl109"/>
+            <p:cNvPr id="105" name="pl105"/>
             <p:cNvSpPr/>
             <p:nvPr/>
           </p:nvSpPr>
@@ -10653,7 +8675,7 @@
         </p:sp>
         <p:sp>
           <p:nvSpPr>
-            <p:cNvPr id="110" name="pl110"/>
+            <p:cNvPr id="106" name="pl106"/>
             <p:cNvSpPr/>
             <p:nvPr/>
           </p:nvSpPr>
@@ -10693,7 +8715,7 @@
         </p:sp>
         <p:sp>
           <p:nvSpPr>
-            <p:cNvPr id="111" name="pl111"/>
+            <p:cNvPr id="107" name="pl107"/>
             <p:cNvSpPr/>
             <p:nvPr/>
           </p:nvSpPr>
@@ -10733,7 +8755,7 @@
         </p:sp>
         <p:sp>
           <p:nvSpPr>
-            <p:cNvPr id="112" name="pl112"/>
+            <p:cNvPr id="108" name="pl108"/>
             <p:cNvSpPr/>
             <p:nvPr/>
           </p:nvSpPr>
@@ -10773,7 +8795,7 @@
         </p:sp>
         <p:sp>
           <p:nvSpPr>
-            <p:cNvPr id="113" name="pl113"/>
+            <p:cNvPr id="109" name="pl109"/>
             <p:cNvSpPr/>
             <p:nvPr/>
           </p:nvSpPr>
@@ -10813,7 +8835,7 @@
         </p:sp>
         <p:sp>
           <p:nvSpPr>
-            <p:cNvPr id="114" name="tx114"/>
+            <p:cNvPr id="110" name="tx110"/>
             <p:cNvSpPr/>
             <p:nvPr/>
           </p:nvSpPr>
@@ -10859,7 +8881,7 @@
         </p:sp>
         <p:sp>
           <p:nvSpPr>
-            <p:cNvPr id="115" name="tx115"/>
+            <p:cNvPr id="111" name="tx111"/>
             <p:cNvSpPr/>
             <p:nvPr/>
           </p:nvSpPr>
@@ -10905,7 +8927,7 @@
         </p:sp>
         <p:sp>
           <p:nvSpPr>
-            <p:cNvPr id="116" name="tx116"/>
+            <p:cNvPr id="112" name="tx112"/>
             <p:cNvSpPr/>
             <p:nvPr/>
           </p:nvSpPr>
@@ -10951,7 +8973,7 @@
         </p:sp>
         <p:sp>
           <p:nvSpPr>
-            <p:cNvPr id="117" name="tx117"/>
+            <p:cNvPr id="113" name="tx113"/>
             <p:cNvSpPr/>
             <p:nvPr/>
           </p:nvSpPr>
@@ -10997,7 +9019,7 @@
         </p:sp>
         <p:sp>
           <p:nvSpPr>
-            <p:cNvPr id="118" name="tx118"/>
+            <p:cNvPr id="114" name="tx114"/>
             <p:cNvSpPr/>
             <p:nvPr/>
           </p:nvSpPr>
@@ -11043,7 +9065,7 @@
         </p:sp>
         <p:sp>
           <p:nvSpPr>
-            <p:cNvPr id="119" name="tx119"/>
+            <p:cNvPr id="115" name="tx115"/>
             <p:cNvSpPr/>
             <p:nvPr/>
           </p:nvSpPr>
@@ -11089,7 +9111,7 @@
         </p:sp>
         <p:sp>
           <p:nvSpPr>
-            <p:cNvPr id="120" name="tx120"/>
+            <p:cNvPr id="116" name="tx116"/>
             <p:cNvSpPr/>
             <p:nvPr/>
           </p:nvSpPr>
@@ -11135,7 +9157,7 @@
         </p:sp>
         <p:sp>
           <p:nvSpPr>
-            <p:cNvPr id="121" name="rc121"/>
+            <p:cNvPr id="117" name="rc117"/>
             <p:cNvSpPr/>
             <p:nvPr/>
           </p:nvSpPr>
@@ -11161,7 +9183,7 @@
         </p:sp>
         <p:sp>
           <p:nvSpPr>
-            <p:cNvPr id="122" name="tx122"/>
+            <p:cNvPr id="118" name="tx118"/>
             <p:cNvSpPr/>
             <p:nvPr/>
           </p:nvSpPr>
@@ -11207,7 +9229,7 @@
         </p:sp>
         <p:sp>
           <p:nvSpPr>
-            <p:cNvPr id="123" name="tx123"/>
+            <p:cNvPr id="119" name="tx119"/>
             <p:cNvSpPr/>
             <p:nvPr/>
           </p:nvSpPr>
@@ -11253,7 +9275,7 @@
         </p:sp>
         <p:sp>
           <p:nvSpPr>
-            <p:cNvPr id="124" name="rc124"/>
+            <p:cNvPr id="120" name="rc120"/>
             <p:cNvSpPr/>
             <p:nvPr/>
           </p:nvSpPr>
@@ -11274,7 +9296,7 @@
         </p:sp>
         <p:sp>
           <p:nvSpPr>
-            <p:cNvPr id="125" name="pt125"/>
+            <p:cNvPr id="121" name="pt121"/>
             <p:cNvSpPr/>
             <p:nvPr/>
           </p:nvSpPr>
@@ -11309,7 +9331,7 @@
         </p:sp>
         <p:sp>
           <p:nvSpPr>
-            <p:cNvPr id="126" name="rc126"/>
+            <p:cNvPr id="122" name="rc122"/>
             <p:cNvSpPr/>
             <p:nvPr/>
           </p:nvSpPr>
@@ -11330,7 +9352,7 @@
         </p:sp>
         <p:sp>
           <p:nvSpPr>
-            <p:cNvPr id="127" name="pt127"/>
+            <p:cNvPr id="123" name="pt123"/>
             <p:cNvSpPr/>
             <p:nvPr/>
           </p:nvSpPr>
@@ -11365,7 +9387,7 @@
         </p:sp>
         <p:sp>
           <p:nvSpPr>
-            <p:cNvPr id="128" name="rc128"/>
+            <p:cNvPr id="124" name="rc124"/>
             <p:cNvSpPr/>
             <p:nvPr/>
           </p:nvSpPr>
@@ -11386,7 +9408,7 @@
         </p:sp>
         <p:sp>
           <p:nvSpPr>
-            <p:cNvPr id="129" name="pt129"/>
+            <p:cNvPr id="125" name="pt125"/>
             <p:cNvSpPr/>
             <p:nvPr/>
           </p:nvSpPr>
@@ -11421,7 +9443,7 @@
         </p:sp>
         <p:sp>
           <p:nvSpPr>
-            <p:cNvPr id="130" name="tx130"/>
+            <p:cNvPr id="126" name="tx126"/>
             <p:cNvSpPr/>
             <p:nvPr/>
           </p:nvSpPr>
@@ -11467,7 +9489,7 @@
         </p:sp>
         <p:sp>
           <p:nvSpPr>
-            <p:cNvPr id="131" name="tx131"/>
+            <p:cNvPr id="127" name="tx127"/>
             <p:cNvSpPr/>
             <p:nvPr/>
           </p:nvSpPr>
@@ -11513,7 +9535,7 @@
         </p:sp>
         <p:sp>
           <p:nvSpPr>
-            <p:cNvPr id="132" name="tx132"/>
+            <p:cNvPr id="128" name="tx128"/>
             <p:cNvSpPr/>
             <p:nvPr/>
           </p:nvSpPr>
